--- a/doc/SoftwareDesign/Dashboard/DashboardRequirements.pptx
+++ b/doc/SoftwareDesign/Dashboard/DashboardRequirements.pptx
@@ -199,7 +199,7 @@
           <a:p>
             <a:fld id="{D19B47FB-F2C1-48D6-AE82-E7B0FCA59C5B}" type="datetimeFigureOut">
               <a:rPr lang="zh-CN" altLang="en-US" smtClean="0"/>
-              <a:t>2020/11/14</a:t>
+              <a:t>2020/12/05</a:t>
             </a:fld>
             <a:endParaRPr lang="zh-CN" altLang="en-US"/>
           </a:p>
@@ -708,7 +708,7 @@
           <a:p>
             <a:fld id="{E8E001D3-436C-43C0-813F-FF95D82683C8}" type="datetimeFigureOut">
               <a:rPr lang="zh-CN" altLang="en-US" smtClean="0"/>
-              <a:t>2020/11/14</a:t>
+              <a:t>2020/12/05</a:t>
             </a:fld>
             <a:endParaRPr lang="zh-CN" altLang="en-US"/>
           </a:p>
@@ -906,7 +906,7 @@
           <a:p>
             <a:fld id="{E8E001D3-436C-43C0-813F-FF95D82683C8}" type="datetimeFigureOut">
               <a:rPr lang="zh-CN" altLang="en-US" smtClean="0"/>
-              <a:t>2020/11/14</a:t>
+              <a:t>2020/12/05</a:t>
             </a:fld>
             <a:endParaRPr lang="zh-CN" altLang="en-US"/>
           </a:p>
@@ -1114,7 +1114,7 @@
           <a:p>
             <a:fld id="{E8E001D3-436C-43C0-813F-FF95D82683C8}" type="datetimeFigureOut">
               <a:rPr lang="zh-CN" altLang="en-US" smtClean="0"/>
-              <a:t>2020/11/14</a:t>
+              <a:t>2020/12/05</a:t>
             </a:fld>
             <a:endParaRPr lang="zh-CN" altLang="en-US"/>
           </a:p>
@@ -1312,7 +1312,7 @@
           <a:p>
             <a:fld id="{E8E001D3-436C-43C0-813F-FF95D82683C8}" type="datetimeFigureOut">
               <a:rPr lang="zh-CN" altLang="en-US" smtClean="0"/>
-              <a:t>2020/11/14</a:t>
+              <a:t>2020/12/05</a:t>
             </a:fld>
             <a:endParaRPr lang="zh-CN" altLang="en-US"/>
           </a:p>
@@ -1587,7 +1587,7 @@
           <a:p>
             <a:fld id="{E8E001D3-436C-43C0-813F-FF95D82683C8}" type="datetimeFigureOut">
               <a:rPr lang="zh-CN" altLang="en-US" smtClean="0"/>
-              <a:t>2020/11/14</a:t>
+              <a:t>2020/12/05</a:t>
             </a:fld>
             <a:endParaRPr lang="zh-CN" altLang="en-US"/>
           </a:p>
@@ -1852,7 +1852,7 @@
           <a:p>
             <a:fld id="{E8E001D3-436C-43C0-813F-FF95D82683C8}" type="datetimeFigureOut">
               <a:rPr lang="zh-CN" altLang="en-US" smtClean="0"/>
-              <a:t>2020/11/14</a:t>
+              <a:t>2020/12/05</a:t>
             </a:fld>
             <a:endParaRPr lang="zh-CN" altLang="en-US"/>
           </a:p>
@@ -2264,7 +2264,7 @@
           <a:p>
             <a:fld id="{E8E001D3-436C-43C0-813F-FF95D82683C8}" type="datetimeFigureOut">
               <a:rPr lang="zh-CN" altLang="en-US" smtClean="0"/>
-              <a:t>2020/11/14</a:t>
+              <a:t>2020/12/05</a:t>
             </a:fld>
             <a:endParaRPr lang="zh-CN" altLang="en-US"/>
           </a:p>
@@ -2405,7 +2405,7 @@
           <a:p>
             <a:fld id="{E8E001D3-436C-43C0-813F-FF95D82683C8}" type="datetimeFigureOut">
               <a:rPr lang="zh-CN" altLang="en-US" smtClean="0"/>
-              <a:t>2020/11/14</a:t>
+              <a:t>2020/12/05</a:t>
             </a:fld>
             <a:endParaRPr lang="zh-CN" altLang="en-US"/>
           </a:p>
@@ -2518,7 +2518,7 @@
           <a:p>
             <a:fld id="{E8E001D3-436C-43C0-813F-FF95D82683C8}" type="datetimeFigureOut">
               <a:rPr lang="zh-CN" altLang="en-US" smtClean="0"/>
-              <a:t>2020/11/14</a:t>
+              <a:t>2020/12/05</a:t>
             </a:fld>
             <a:endParaRPr lang="zh-CN" altLang="en-US"/>
           </a:p>
@@ -2829,7 +2829,7 @@
           <a:p>
             <a:fld id="{E8E001D3-436C-43C0-813F-FF95D82683C8}" type="datetimeFigureOut">
               <a:rPr lang="zh-CN" altLang="en-US" smtClean="0"/>
-              <a:t>2020/11/14</a:t>
+              <a:t>2020/12/05</a:t>
             </a:fld>
             <a:endParaRPr lang="zh-CN" altLang="en-US"/>
           </a:p>
@@ -3117,7 +3117,7 @@
           <a:p>
             <a:fld id="{E8E001D3-436C-43C0-813F-FF95D82683C8}" type="datetimeFigureOut">
               <a:rPr lang="zh-CN" altLang="en-US" smtClean="0"/>
-              <a:t>2020/11/14</a:t>
+              <a:t>2020/12/05</a:t>
             </a:fld>
             <a:endParaRPr lang="zh-CN" altLang="en-US"/>
           </a:p>
@@ -3358,7 +3358,7 @@
           <a:p>
             <a:fld id="{E8E001D3-436C-43C0-813F-FF95D82683C8}" type="datetimeFigureOut">
               <a:rPr lang="zh-CN" altLang="en-US" smtClean="0"/>
-              <a:t>2020/11/14</a:t>
+              <a:t>2020/12/05</a:t>
             </a:fld>
             <a:endParaRPr lang="zh-CN" altLang="en-US"/>
           </a:p>
@@ -3938,6 +3938,14 @@
             <a:pPr lvl="1"/>
             <a:r>
               <a:rPr lang="zh-CN" altLang="en-US" dirty="0"/>
+              <a:t>向控制层模块数据库查询可用的路由模态</a:t>
+            </a:r>
+            <a:endParaRPr lang="en-US" altLang="zh-CN" dirty="0"/>
+          </a:p>
+          <a:p>
+            <a:pPr lvl="1"/>
+            <a:r>
+              <a:rPr lang="zh-CN" altLang="en-US" dirty="0"/>
               <a:t>添加</a:t>
             </a:r>
             <a:r>
@@ -3960,6 +3968,31 @@
               <a:rPr lang="en-US" altLang="zh-CN" dirty="0"/>
               <a:t>SFCI</a:t>
             </a:r>
+            <a:r>
+              <a:rPr lang="zh-CN" altLang="en-US" dirty="0"/>
+              <a:t>（自动</a:t>
+            </a:r>
+            <a:r>
+              <a:rPr lang="en-US" altLang="zh-CN" dirty="0"/>
+              <a:t>/</a:t>
+            </a:r>
+            <a:r>
+              <a:rPr lang="zh-CN" altLang="en-US" dirty="0"/>
+              <a:t>手动选择路由模态；添加</a:t>
+            </a:r>
+            <a:r>
+              <a:rPr lang="en-US" altLang="zh-CN" dirty="0" err="1"/>
+              <a:t>vnf</a:t>
+            </a:r>
+            <a:r>
+              <a:rPr lang="en-US" altLang="zh-CN" dirty="0"/>
+              <a:t> config</a:t>
+            </a:r>
+            <a:r>
+              <a:rPr lang="zh-CN" altLang="en-US" dirty="0"/>
+              <a:t>；）</a:t>
+            </a:r>
+            <a:endParaRPr lang="en-US" altLang="zh-CN" dirty="0"/>
           </a:p>
           <a:p>
             <a:pPr lvl="2"/>
@@ -4124,7 +4157,7 @@
             </a:r>
             <a:r>
               <a:rPr lang="zh-CN" altLang="en-US" dirty="0"/>
-              <a:t>地址，</a:t>
+              <a:t>地址（其他路由模态识别符），</a:t>
             </a:r>
             <a:r>
               <a:rPr lang="en-US" altLang="zh-CN" dirty="0"/>
@@ -4228,7 +4261,7 @@
             </a:r>
             <a:r>
               <a:rPr lang="zh-CN" altLang="en-US" dirty="0"/>
-              <a:t>状态：正常，超载，故障</a:t>
+              <a:t>服务质量状态：正常，超载，故障</a:t>
             </a:r>
             <a:endParaRPr lang="en-US" altLang="zh-CN" dirty="0"/>
           </a:p>

--- a/doc/SoftwareDesign/Dashboard/DashboardRequirements.pptx
+++ b/doc/SoftwareDesign/Dashboard/DashboardRequirements.pptx
@@ -5,12 +5,17 @@
     <p:sldMasterId id="2147483648" r:id="rId1"/>
   </p:sldMasterIdLst>
   <p:notesMasterIdLst>
-    <p:notesMasterId r:id="rId5"/>
+    <p:notesMasterId r:id="rId10"/>
   </p:notesMasterIdLst>
   <p:sldIdLst>
-    <p:sldId id="256" r:id="rId2"/>
-    <p:sldId id="257" r:id="rId3"/>
-    <p:sldId id="258" r:id="rId4"/>
+    <p:sldId id="259" r:id="rId2"/>
+    <p:sldId id="263" r:id="rId3"/>
+    <p:sldId id="260" r:id="rId4"/>
+    <p:sldId id="261" r:id="rId5"/>
+    <p:sldId id="262" r:id="rId6"/>
+    <p:sldId id="256" r:id="rId7"/>
+    <p:sldId id="257" r:id="rId8"/>
+    <p:sldId id="258" r:id="rId9"/>
   </p:sldIdLst>
   <p:sldSz cx="12192000" cy="6858000"/>
   <p:notesSz cx="6858000" cy="9144000"/>
@@ -199,7 +204,7 @@
           <a:p>
             <a:fld id="{D19B47FB-F2C1-48D6-AE82-E7B0FCA59C5B}" type="datetimeFigureOut">
               <a:rPr lang="zh-CN" altLang="en-US" smtClean="0"/>
-              <a:t>2020/12/05</a:t>
+              <a:t>2021/10/07</a:t>
             </a:fld>
             <a:endParaRPr lang="zh-CN" altLang="en-US"/>
           </a:p>
@@ -542,7 +547,7 @@
           <a:p>
             <a:fld id="{4C02A8BD-81E3-43A2-8A1E-4FCD71FC1131}" type="slidenum">
               <a:rPr lang="zh-CN" altLang="en-US" smtClean="0"/>
-              <a:t>2</a:t>
+              <a:t>7</a:t>
             </a:fld>
             <a:endParaRPr lang="zh-CN" altLang="en-US"/>
           </a:p>
@@ -708,7 +713,7 @@
           <a:p>
             <a:fld id="{E8E001D3-436C-43C0-813F-FF95D82683C8}" type="datetimeFigureOut">
               <a:rPr lang="zh-CN" altLang="en-US" smtClean="0"/>
-              <a:t>2020/12/05</a:t>
+              <a:t>2021/10/07</a:t>
             </a:fld>
             <a:endParaRPr lang="zh-CN" altLang="en-US"/>
           </a:p>
@@ -906,7 +911,7 @@
           <a:p>
             <a:fld id="{E8E001D3-436C-43C0-813F-FF95D82683C8}" type="datetimeFigureOut">
               <a:rPr lang="zh-CN" altLang="en-US" smtClean="0"/>
-              <a:t>2020/12/05</a:t>
+              <a:t>2021/10/07</a:t>
             </a:fld>
             <a:endParaRPr lang="zh-CN" altLang="en-US"/>
           </a:p>
@@ -1114,7 +1119,7 @@
           <a:p>
             <a:fld id="{E8E001D3-436C-43C0-813F-FF95D82683C8}" type="datetimeFigureOut">
               <a:rPr lang="zh-CN" altLang="en-US" smtClean="0"/>
-              <a:t>2020/12/05</a:t>
+              <a:t>2021/10/07</a:t>
             </a:fld>
             <a:endParaRPr lang="zh-CN" altLang="en-US"/>
           </a:p>
@@ -1312,7 +1317,7 @@
           <a:p>
             <a:fld id="{E8E001D3-436C-43C0-813F-FF95D82683C8}" type="datetimeFigureOut">
               <a:rPr lang="zh-CN" altLang="en-US" smtClean="0"/>
-              <a:t>2020/12/05</a:t>
+              <a:t>2021/10/07</a:t>
             </a:fld>
             <a:endParaRPr lang="zh-CN" altLang="en-US"/>
           </a:p>
@@ -1587,7 +1592,7 @@
           <a:p>
             <a:fld id="{E8E001D3-436C-43C0-813F-FF95D82683C8}" type="datetimeFigureOut">
               <a:rPr lang="zh-CN" altLang="en-US" smtClean="0"/>
-              <a:t>2020/12/05</a:t>
+              <a:t>2021/10/07</a:t>
             </a:fld>
             <a:endParaRPr lang="zh-CN" altLang="en-US"/>
           </a:p>
@@ -1852,7 +1857,7 @@
           <a:p>
             <a:fld id="{E8E001D3-436C-43C0-813F-FF95D82683C8}" type="datetimeFigureOut">
               <a:rPr lang="zh-CN" altLang="en-US" smtClean="0"/>
-              <a:t>2020/12/05</a:t>
+              <a:t>2021/10/07</a:t>
             </a:fld>
             <a:endParaRPr lang="zh-CN" altLang="en-US"/>
           </a:p>
@@ -2264,7 +2269,7 @@
           <a:p>
             <a:fld id="{E8E001D3-436C-43C0-813F-FF95D82683C8}" type="datetimeFigureOut">
               <a:rPr lang="zh-CN" altLang="en-US" smtClean="0"/>
-              <a:t>2020/12/05</a:t>
+              <a:t>2021/10/07</a:t>
             </a:fld>
             <a:endParaRPr lang="zh-CN" altLang="en-US"/>
           </a:p>
@@ -2405,7 +2410,7 @@
           <a:p>
             <a:fld id="{E8E001D3-436C-43C0-813F-FF95D82683C8}" type="datetimeFigureOut">
               <a:rPr lang="zh-CN" altLang="en-US" smtClean="0"/>
-              <a:t>2020/12/05</a:t>
+              <a:t>2021/10/07</a:t>
             </a:fld>
             <a:endParaRPr lang="zh-CN" altLang="en-US"/>
           </a:p>
@@ -2518,7 +2523,7 @@
           <a:p>
             <a:fld id="{E8E001D3-436C-43C0-813F-FF95D82683C8}" type="datetimeFigureOut">
               <a:rPr lang="zh-CN" altLang="en-US" smtClean="0"/>
-              <a:t>2020/12/05</a:t>
+              <a:t>2021/10/07</a:t>
             </a:fld>
             <a:endParaRPr lang="zh-CN" altLang="en-US"/>
           </a:p>
@@ -2829,7 +2834,7 @@
           <a:p>
             <a:fld id="{E8E001D3-436C-43C0-813F-FF95D82683C8}" type="datetimeFigureOut">
               <a:rPr lang="zh-CN" altLang="en-US" smtClean="0"/>
-              <a:t>2020/12/05</a:t>
+              <a:t>2021/10/07</a:t>
             </a:fld>
             <a:endParaRPr lang="zh-CN" altLang="en-US"/>
           </a:p>
@@ -3117,7 +3122,7 @@
           <a:p>
             <a:fld id="{E8E001D3-436C-43C0-813F-FF95D82683C8}" type="datetimeFigureOut">
               <a:rPr lang="zh-CN" altLang="en-US" smtClean="0"/>
-              <a:t>2020/12/05</a:t>
+              <a:t>2021/10/07</a:t>
             </a:fld>
             <a:endParaRPr lang="zh-CN" altLang="en-US"/>
           </a:p>
@@ -3358,7 +3363,7 @@
           <a:p>
             <a:fld id="{E8E001D3-436C-43C0-813F-FF95D82683C8}" type="datetimeFigureOut">
               <a:rPr lang="zh-CN" altLang="en-US" smtClean="0"/>
-              <a:t>2020/12/05</a:t>
+              <a:t>2021/10/07</a:t>
             </a:fld>
             <a:endParaRPr lang="zh-CN" altLang="en-US"/>
           </a:p>
@@ -3780,15 +3785,15 @@
           <p:cNvPr id="2" name="标题 1">
             <a:extLst>
               <a:ext uri="{FF2B5EF4-FFF2-40B4-BE49-F238E27FC236}">
-                <a16:creationId xmlns:a16="http://schemas.microsoft.com/office/drawing/2014/main" id="{66774BB1-4CF0-4A72-AC80-6D3E86254911}"/>
-              </a:ext>
-            </a:extLst>
-          </p:cNvPr>
-          <p:cNvSpPr>
-            <a:spLocks noGrp="1"/>
-          </p:cNvSpPr>
-          <p:nvPr>
-            <p:ph type="ctrTitle"/>
+                <a16:creationId xmlns:a16="http://schemas.microsoft.com/office/drawing/2014/main" id="{3D2BC561-AEEC-49C0-8EFD-12AE75F438F8}"/>
+              </a:ext>
+            </a:extLst>
+          </p:cNvPr>
+          <p:cNvSpPr>
+            <a:spLocks noGrp="1"/>
+          </p:cNvSpPr>
+          <p:nvPr>
+            <p:ph type="title"/>
           </p:nvPr>
         </p:nvSpPr>
         <p:spPr/>
@@ -3798,7 +3803,7 @@
           <a:p>
             <a:r>
               <a:rPr lang="en-US" altLang="zh-CN" dirty="0"/>
-              <a:t>Dashboard Requirements</a:t>
+              <a:t>Background</a:t>
             </a:r>
             <a:endParaRPr lang="zh-CN" altLang="en-US" dirty="0"/>
           </a:p>
@@ -3806,18 +3811,18 @@
       </p:sp>
       <p:sp>
         <p:nvSpPr>
-          <p:cNvPr id="3" name="副标题 2">
-            <a:extLst>
-              <a:ext uri="{FF2B5EF4-FFF2-40B4-BE49-F238E27FC236}">
-                <a16:creationId xmlns:a16="http://schemas.microsoft.com/office/drawing/2014/main" id="{AFC0D9E0-425B-4B09-8587-89C9E47E913A}"/>
-              </a:ext>
-            </a:extLst>
-          </p:cNvPr>
-          <p:cNvSpPr>
-            <a:spLocks noGrp="1"/>
-          </p:cNvSpPr>
-          <p:nvPr>
-            <p:ph type="subTitle" idx="1"/>
+          <p:cNvPr id="3" name="文本占位符 2">
+            <a:extLst>
+              <a:ext uri="{FF2B5EF4-FFF2-40B4-BE49-F238E27FC236}">
+                <a16:creationId xmlns:a16="http://schemas.microsoft.com/office/drawing/2014/main" id="{D61D94AF-C681-43B3-B27E-9EA8C0D43C19}"/>
+              </a:ext>
+            </a:extLst>
+          </p:cNvPr>
+          <p:cNvSpPr>
+            <a:spLocks noGrp="1"/>
+          </p:cNvSpPr>
+          <p:nvPr>
+            <p:ph type="body" idx="1"/>
           </p:nvPr>
         </p:nvSpPr>
         <p:spPr/>
@@ -3832,7 +3837,7 @@
     </p:spTree>
     <p:extLst>
       <p:ext uri="{BB962C8B-B14F-4D97-AF65-F5344CB8AC3E}">
-        <p14:creationId xmlns:p14="http://schemas.microsoft.com/office/powerpoint/2010/main" val="2934895449"/>
+        <p14:creationId xmlns:p14="http://schemas.microsoft.com/office/powerpoint/2010/main" val="679608560"/>
       </p:ext>
     </p:extLst>
   </p:cSld>
@@ -3864,7 +3869,7 @@
           <p:cNvPr id="2" name="标题 1">
             <a:extLst>
               <a:ext uri="{FF2B5EF4-FFF2-40B4-BE49-F238E27FC236}">
-                <a16:creationId xmlns:a16="http://schemas.microsoft.com/office/drawing/2014/main" id="{0B3E2F81-61D4-4E09-A985-20857CB99E72}"/>
+                <a16:creationId xmlns:a16="http://schemas.microsoft.com/office/drawing/2014/main" id="{3F7EE572-0C02-43FB-89AF-3AE00D125E3F}"/>
               </a:ext>
             </a:extLst>
           </p:cNvPr>
@@ -3881,179 +3886,1839 @@
           <a:lstStyle/>
           <a:p>
             <a:r>
-              <a:rPr lang="zh-CN" altLang="en-US" dirty="0"/>
-              <a:t>需求</a:t>
-            </a:r>
-          </a:p>
-        </p:txBody>
-      </p:sp>
-      <p:sp>
-        <p:nvSpPr>
-          <p:cNvPr id="3" name="内容占位符 2">
-            <a:extLst>
-              <a:ext uri="{FF2B5EF4-FFF2-40B4-BE49-F238E27FC236}">
-                <a16:creationId xmlns:a16="http://schemas.microsoft.com/office/drawing/2014/main" id="{4ACD6E95-8715-4831-9222-7D6EC13020DB}"/>
-              </a:ext>
-            </a:extLst>
-          </p:cNvPr>
-          <p:cNvSpPr>
-            <a:spLocks noGrp="1"/>
-          </p:cNvSpPr>
-          <p:nvPr>
-            <p:ph idx="1"/>
-          </p:nvPr>
-        </p:nvSpPr>
-        <p:spPr/>
-        <p:txBody>
-          <a:bodyPr/>
+              <a:rPr lang="en-US" altLang="zh-CN" dirty="0"/>
+              <a:t>Data Center Network</a:t>
+            </a:r>
+            <a:endParaRPr lang="zh-CN" altLang="en-US" dirty="0"/>
+          </a:p>
+        </p:txBody>
+      </p:sp>
+      <p:sp>
+        <p:nvSpPr>
+          <p:cNvPr id="7" name="Rounded Rectangle 1">
+            <a:extLst>
+              <a:ext uri="{FF2B5EF4-FFF2-40B4-BE49-F238E27FC236}">
+                <a16:creationId xmlns:a16="http://schemas.microsoft.com/office/drawing/2014/main" id="{EA058E86-CE45-4133-9979-3BF201340CE6}"/>
+              </a:ext>
+            </a:extLst>
+          </p:cNvPr>
+          <p:cNvSpPr/>
+          <p:nvPr/>
+        </p:nvSpPr>
+        <p:spPr>
+          <a:xfrm>
+            <a:off x="4382928" y="4085056"/>
+            <a:ext cx="1408774" cy="1102767"/>
+          </a:xfrm>
+          <a:prstGeom prst="roundRect">
+            <a:avLst/>
+          </a:prstGeom>
+          <a:noFill/>
+          <a:ln>
+            <a:solidFill>
+              <a:schemeClr val="tx1"/>
+            </a:solidFill>
+            <a:prstDash val="sysDash"/>
+          </a:ln>
+        </p:spPr>
+        <p:style>
+          <a:lnRef idx="2">
+            <a:schemeClr val="accent1">
+              <a:shade val="50000"/>
+            </a:schemeClr>
+          </a:lnRef>
+          <a:fillRef idx="1">
+            <a:schemeClr val="accent1"/>
+          </a:fillRef>
+          <a:effectRef idx="0">
+            <a:schemeClr val="accent1"/>
+          </a:effectRef>
+          <a:fontRef idx="minor">
+            <a:schemeClr val="lt1"/>
+          </a:fontRef>
+        </p:style>
+        <p:txBody>
+          <a:bodyPr rtlCol="0" anchor="ctr"/>
           <a:lstStyle/>
           <a:p>
-            <a:r>
-              <a:rPr lang="zh-CN" altLang="en-US" dirty="0"/>
-              <a:t>普通用户注册</a:t>
-            </a:r>
+            <a:pPr algn="ctr"/>
+            <a:endParaRPr lang="en-US"/>
+          </a:p>
+        </p:txBody>
+      </p:sp>
+      <p:pic>
+        <p:nvPicPr>
+          <p:cNvPr id="8" name="Picture 93">
+            <a:extLst>
+              <a:ext uri="{FF2B5EF4-FFF2-40B4-BE49-F238E27FC236}">
+                <a16:creationId xmlns:a16="http://schemas.microsoft.com/office/drawing/2014/main" id="{9899A669-3F5A-488A-AF32-AEF574D4351B}"/>
+              </a:ext>
+            </a:extLst>
+          </p:cNvPr>
+          <p:cNvPicPr>
+            <a:picLocks noChangeAspect="1"/>
+          </p:cNvPicPr>
+          <p:nvPr/>
+        </p:nvPicPr>
+        <p:blipFill>
+          <a:blip r:embed="rId2"/>
+          <a:stretch>
+            <a:fillRect/>
+          </a:stretch>
+        </p:blipFill>
+        <p:spPr>
+          <a:xfrm>
+            <a:off x="4543983" y="4157171"/>
+            <a:ext cx="431497" cy="377481"/>
+          </a:xfrm>
+          <a:prstGeom prst="rect">
+            <a:avLst/>
+          </a:prstGeom>
+        </p:spPr>
+      </p:pic>
+      <p:pic>
+        <p:nvPicPr>
+          <p:cNvPr id="9" name="Picture 94">
+            <a:extLst>
+              <a:ext uri="{FF2B5EF4-FFF2-40B4-BE49-F238E27FC236}">
+                <a16:creationId xmlns:a16="http://schemas.microsoft.com/office/drawing/2014/main" id="{074B7178-D555-43C8-BE90-2E39A423AA99}"/>
+              </a:ext>
+            </a:extLst>
+          </p:cNvPr>
+          <p:cNvPicPr>
+            <a:picLocks noChangeAspect="1"/>
+          </p:cNvPicPr>
+          <p:nvPr/>
+        </p:nvPicPr>
+        <p:blipFill>
+          <a:blip r:embed="rId2"/>
+          <a:stretch>
+            <a:fillRect/>
+          </a:stretch>
+        </p:blipFill>
+        <p:spPr>
+          <a:xfrm>
+            <a:off x="5228999" y="4157170"/>
+            <a:ext cx="431497" cy="377481"/>
+          </a:xfrm>
+          <a:prstGeom prst="rect">
+            <a:avLst/>
+          </a:prstGeom>
+        </p:spPr>
+      </p:pic>
+      <p:pic>
+        <p:nvPicPr>
+          <p:cNvPr id="10" name="Picture 96">
+            <a:extLst>
+              <a:ext uri="{FF2B5EF4-FFF2-40B4-BE49-F238E27FC236}">
+                <a16:creationId xmlns:a16="http://schemas.microsoft.com/office/drawing/2014/main" id="{B7120FF6-34AD-4575-8C31-1A34ACE7CA5B}"/>
+              </a:ext>
+            </a:extLst>
+          </p:cNvPr>
+          <p:cNvPicPr>
+            <a:picLocks noChangeAspect="1"/>
+          </p:cNvPicPr>
+          <p:nvPr/>
+        </p:nvPicPr>
+        <p:blipFill>
+          <a:blip r:embed="rId2"/>
+          <a:stretch>
+            <a:fillRect/>
+          </a:stretch>
+        </p:blipFill>
+        <p:spPr>
+          <a:xfrm>
+            <a:off x="4543983" y="4716111"/>
+            <a:ext cx="431497" cy="377481"/>
+          </a:xfrm>
+          <a:prstGeom prst="rect">
+            <a:avLst/>
+          </a:prstGeom>
+        </p:spPr>
+      </p:pic>
+      <p:pic>
+        <p:nvPicPr>
+          <p:cNvPr id="11" name="Picture 97">
+            <a:extLst>
+              <a:ext uri="{FF2B5EF4-FFF2-40B4-BE49-F238E27FC236}">
+                <a16:creationId xmlns:a16="http://schemas.microsoft.com/office/drawing/2014/main" id="{D7811839-D6B3-4E46-9097-D943F6248CEA}"/>
+              </a:ext>
+            </a:extLst>
+          </p:cNvPr>
+          <p:cNvPicPr>
+            <a:picLocks noChangeAspect="1"/>
+          </p:cNvPicPr>
+          <p:nvPr/>
+        </p:nvPicPr>
+        <p:blipFill>
+          <a:blip r:embed="rId2"/>
+          <a:stretch>
+            <a:fillRect/>
+          </a:stretch>
+        </p:blipFill>
+        <p:spPr>
+          <a:xfrm>
+            <a:off x="5228999" y="4716110"/>
+            <a:ext cx="431497" cy="377481"/>
+          </a:xfrm>
+          <a:prstGeom prst="rect">
+            <a:avLst/>
+          </a:prstGeom>
+        </p:spPr>
+      </p:pic>
+      <p:cxnSp>
+        <p:nvCxnSpPr>
+          <p:cNvPr id="12" name="Straight Connector 19">
+            <a:extLst>
+              <a:ext uri="{FF2B5EF4-FFF2-40B4-BE49-F238E27FC236}">
+                <a16:creationId xmlns:a16="http://schemas.microsoft.com/office/drawing/2014/main" id="{D5F73A8D-24EF-4D0D-A244-27946AB038C5}"/>
+              </a:ext>
+            </a:extLst>
+          </p:cNvPr>
+          <p:cNvCxnSpPr>
+            <a:cxnSpLocks/>
+          </p:cNvCxnSpPr>
+          <p:nvPr/>
+        </p:nvCxnSpPr>
+        <p:spPr>
+          <a:xfrm>
+            <a:off x="4682789" y="5077970"/>
+            <a:ext cx="0" cy="330823"/>
+          </a:xfrm>
+          <a:prstGeom prst="line">
+            <a:avLst/>
+          </a:prstGeom>
+        </p:spPr>
+        <p:style>
+          <a:lnRef idx="1">
+            <a:schemeClr val="dk1"/>
+          </a:lnRef>
+          <a:fillRef idx="0">
+            <a:schemeClr val="dk1"/>
+          </a:fillRef>
+          <a:effectRef idx="0">
+            <a:schemeClr val="dk1"/>
+          </a:effectRef>
+          <a:fontRef idx="minor">
+            <a:schemeClr val="tx1"/>
+          </a:fontRef>
+        </p:style>
+      </p:cxnSp>
+      <p:cxnSp>
+        <p:nvCxnSpPr>
+          <p:cNvPr id="13" name="Straight Connector 21">
+            <a:extLst>
+              <a:ext uri="{FF2B5EF4-FFF2-40B4-BE49-F238E27FC236}">
+                <a16:creationId xmlns:a16="http://schemas.microsoft.com/office/drawing/2014/main" id="{50C14F50-0316-463C-A760-CBE0C24A2096}"/>
+              </a:ext>
+            </a:extLst>
+          </p:cNvPr>
+          <p:cNvCxnSpPr>
+            <a:cxnSpLocks/>
+          </p:cNvCxnSpPr>
+          <p:nvPr/>
+        </p:nvCxnSpPr>
+        <p:spPr>
+          <a:xfrm flipH="1">
+            <a:off x="5375817" y="5093591"/>
+            <a:ext cx="6114" cy="331245"/>
+          </a:xfrm>
+          <a:prstGeom prst="line">
+            <a:avLst/>
+          </a:prstGeom>
+        </p:spPr>
+        <p:style>
+          <a:lnRef idx="1">
+            <a:schemeClr val="dk1"/>
+          </a:lnRef>
+          <a:fillRef idx="0">
+            <a:schemeClr val="dk1"/>
+          </a:fillRef>
+          <a:effectRef idx="0">
+            <a:schemeClr val="dk1"/>
+          </a:effectRef>
+          <a:fontRef idx="minor">
+            <a:schemeClr val="tx1"/>
+          </a:fontRef>
+        </p:style>
+      </p:cxnSp>
+      <p:pic>
+        <p:nvPicPr>
+          <p:cNvPr id="14" name="Picture 130">
+            <a:extLst>
+              <a:ext uri="{FF2B5EF4-FFF2-40B4-BE49-F238E27FC236}">
+                <a16:creationId xmlns:a16="http://schemas.microsoft.com/office/drawing/2014/main" id="{5D8C1C8A-8FE8-4843-B3F8-6C9B69A6B1D5}"/>
+              </a:ext>
+            </a:extLst>
+          </p:cNvPr>
+          <p:cNvPicPr>
+            <a:picLocks noChangeAspect="1"/>
+          </p:cNvPicPr>
+          <p:nvPr/>
+        </p:nvPicPr>
+        <p:blipFill>
+          <a:blip r:embed="rId3"/>
+          <a:stretch>
+            <a:fillRect/>
+          </a:stretch>
+        </p:blipFill>
+        <p:spPr>
+          <a:xfrm>
+            <a:off x="5260992" y="5424836"/>
+            <a:ext cx="355283" cy="486185"/>
+          </a:xfrm>
+          <a:prstGeom prst="rect">
+            <a:avLst/>
+          </a:prstGeom>
+        </p:spPr>
+      </p:pic>
+      <p:pic>
+        <p:nvPicPr>
+          <p:cNvPr id="15" name="Picture 131">
+            <a:extLst>
+              <a:ext uri="{FF2B5EF4-FFF2-40B4-BE49-F238E27FC236}">
+                <a16:creationId xmlns:a16="http://schemas.microsoft.com/office/drawing/2014/main" id="{C2059E4C-9066-44B0-B28E-41F08CFDFC5C}"/>
+              </a:ext>
+            </a:extLst>
+          </p:cNvPr>
+          <p:cNvPicPr>
+            <a:picLocks noChangeAspect="1"/>
+          </p:cNvPicPr>
+          <p:nvPr/>
+        </p:nvPicPr>
+        <p:blipFill>
+          <a:blip r:embed="rId3"/>
+          <a:stretch>
+            <a:fillRect/>
+          </a:stretch>
+        </p:blipFill>
+        <p:spPr>
+          <a:xfrm>
+            <a:off x="4564076" y="5410877"/>
+            <a:ext cx="411404" cy="486185"/>
+          </a:xfrm>
+          <a:prstGeom prst="rect">
+            <a:avLst/>
+          </a:prstGeom>
+        </p:spPr>
+      </p:pic>
+      <p:cxnSp>
+        <p:nvCxnSpPr>
+          <p:cNvPr id="16" name="Straight Connector 111">
+            <a:extLst>
+              <a:ext uri="{FF2B5EF4-FFF2-40B4-BE49-F238E27FC236}">
+                <a16:creationId xmlns:a16="http://schemas.microsoft.com/office/drawing/2014/main" id="{051C94F9-CFC8-4F5D-809A-2616614B3FDD}"/>
+              </a:ext>
+            </a:extLst>
+          </p:cNvPr>
+          <p:cNvCxnSpPr>
+            <a:stCxn id="8" idx="2"/>
+            <a:endCxn id="10" idx="0"/>
+          </p:cNvCxnSpPr>
+          <p:nvPr/>
+        </p:nvCxnSpPr>
+        <p:spPr>
+          <a:xfrm>
+            <a:off x="4759732" y="4534652"/>
+            <a:ext cx="0" cy="181459"/>
+          </a:xfrm>
+          <a:prstGeom prst="line">
+            <a:avLst/>
+          </a:prstGeom>
+        </p:spPr>
+        <p:style>
+          <a:lnRef idx="1">
+            <a:schemeClr val="dk1"/>
+          </a:lnRef>
+          <a:fillRef idx="0">
+            <a:schemeClr val="dk1"/>
+          </a:fillRef>
+          <a:effectRef idx="0">
+            <a:schemeClr val="dk1"/>
+          </a:effectRef>
+          <a:fontRef idx="minor">
+            <a:schemeClr val="tx1"/>
+          </a:fontRef>
+        </p:style>
+      </p:cxnSp>
+      <p:cxnSp>
+        <p:nvCxnSpPr>
+          <p:cNvPr id="17" name="Straight Connector 113">
+            <a:extLst>
+              <a:ext uri="{FF2B5EF4-FFF2-40B4-BE49-F238E27FC236}">
+                <a16:creationId xmlns:a16="http://schemas.microsoft.com/office/drawing/2014/main" id="{B2383000-593E-4827-9D6B-18024A3695FE}"/>
+              </a:ext>
+            </a:extLst>
+          </p:cNvPr>
+          <p:cNvCxnSpPr>
+            <a:stCxn id="9" idx="2"/>
+            <a:endCxn id="11" idx="0"/>
+          </p:cNvCxnSpPr>
+          <p:nvPr/>
+        </p:nvCxnSpPr>
+        <p:spPr>
+          <a:xfrm>
+            <a:off x="5444748" y="4534651"/>
+            <a:ext cx="0" cy="181459"/>
+          </a:xfrm>
+          <a:prstGeom prst="line">
+            <a:avLst/>
+          </a:prstGeom>
+        </p:spPr>
+        <p:style>
+          <a:lnRef idx="1">
+            <a:schemeClr val="dk1"/>
+          </a:lnRef>
+          <a:fillRef idx="0">
+            <a:schemeClr val="dk1"/>
+          </a:fillRef>
+          <a:effectRef idx="0">
+            <a:schemeClr val="dk1"/>
+          </a:effectRef>
+          <a:fontRef idx="minor">
+            <a:schemeClr val="tx1"/>
+          </a:fontRef>
+        </p:style>
+      </p:cxnSp>
+      <p:cxnSp>
+        <p:nvCxnSpPr>
+          <p:cNvPr id="18" name="Straight Connector 123">
+            <a:extLst>
+              <a:ext uri="{FF2B5EF4-FFF2-40B4-BE49-F238E27FC236}">
+                <a16:creationId xmlns:a16="http://schemas.microsoft.com/office/drawing/2014/main" id="{3B28A97C-703A-4E13-9827-86363D0F643E}"/>
+              </a:ext>
+            </a:extLst>
+          </p:cNvPr>
+          <p:cNvCxnSpPr>
+            <a:stCxn id="8" idx="3"/>
+            <a:endCxn id="11" idx="1"/>
+          </p:cNvCxnSpPr>
+          <p:nvPr/>
+        </p:nvCxnSpPr>
+        <p:spPr>
+          <a:xfrm>
+            <a:off x="4975480" y="4345912"/>
+            <a:ext cx="253519" cy="558939"/>
+          </a:xfrm>
+          <a:prstGeom prst="line">
+            <a:avLst/>
+          </a:prstGeom>
+        </p:spPr>
+        <p:style>
+          <a:lnRef idx="1">
+            <a:schemeClr val="dk1"/>
+          </a:lnRef>
+          <a:fillRef idx="0">
+            <a:schemeClr val="dk1"/>
+          </a:fillRef>
+          <a:effectRef idx="0">
+            <a:schemeClr val="dk1"/>
+          </a:effectRef>
+          <a:fontRef idx="minor">
+            <a:schemeClr val="tx1"/>
+          </a:fontRef>
+        </p:style>
+      </p:cxnSp>
+      <p:cxnSp>
+        <p:nvCxnSpPr>
+          <p:cNvPr id="19" name="Straight Connector 125">
+            <a:extLst>
+              <a:ext uri="{FF2B5EF4-FFF2-40B4-BE49-F238E27FC236}">
+                <a16:creationId xmlns:a16="http://schemas.microsoft.com/office/drawing/2014/main" id="{1650E355-6745-4621-80BB-F80A8E06B6BA}"/>
+              </a:ext>
+            </a:extLst>
+          </p:cNvPr>
+          <p:cNvCxnSpPr>
+            <a:stCxn id="9" idx="1"/>
+            <a:endCxn id="10" idx="3"/>
+          </p:cNvCxnSpPr>
+          <p:nvPr/>
+        </p:nvCxnSpPr>
+        <p:spPr>
+          <a:xfrm flipH="1">
+            <a:off x="4975480" y="4345911"/>
+            <a:ext cx="253519" cy="558941"/>
+          </a:xfrm>
+          <a:prstGeom prst="line">
+            <a:avLst/>
+          </a:prstGeom>
+        </p:spPr>
+        <p:style>
+          <a:lnRef idx="1">
+            <a:schemeClr val="dk1"/>
+          </a:lnRef>
+          <a:fillRef idx="0">
+            <a:schemeClr val="dk1"/>
+          </a:fillRef>
+          <a:effectRef idx="0">
+            <a:schemeClr val="dk1"/>
+          </a:effectRef>
+          <a:fontRef idx="minor">
+            <a:schemeClr val="tx1"/>
+          </a:fontRef>
+        </p:style>
+      </p:cxnSp>
+      <p:sp>
+        <p:nvSpPr>
+          <p:cNvPr id="20" name="Rounded Rectangle 205">
+            <a:extLst>
+              <a:ext uri="{FF2B5EF4-FFF2-40B4-BE49-F238E27FC236}">
+                <a16:creationId xmlns:a16="http://schemas.microsoft.com/office/drawing/2014/main" id="{7FB326C4-517D-418A-96EC-8009A2487B25}"/>
+              </a:ext>
+            </a:extLst>
+          </p:cNvPr>
+          <p:cNvSpPr/>
+          <p:nvPr/>
+        </p:nvSpPr>
+        <p:spPr>
+          <a:xfrm>
+            <a:off x="6284896" y="4071519"/>
+            <a:ext cx="1408774" cy="1102767"/>
+          </a:xfrm>
+          <a:prstGeom prst="roundRect">
+            <a:avLst/>
+          </a:prstGeom>
+          <a:noFill/>
+          <a:ln>
+            <a:solidFill>
+              <a:schemeClr val="tx1"/>
+            </a:solidFill>
+            <a:prstDash val="sysDash"/>
+          </a:ln>
+        </p:spPr>
+        <p:style>
+          <a:lnRef idx="2">
+            <a:schemeClr val="accent1">
+              <a:shade val="50000"/>
+            </a:schemeClr>
+          </a:lnRef>
+          <a:fillRef idx="1">
+            <a:schemeClr val="accent1"/>
+          </a:fillRef>
+          <a:effectRef idx="0">
+            <a:schemeClr val="accent1"/>
+          </a:effectRef>
+          <a:fontRef idx="minor">
+            <a:schemeClr val="lt1"/>
+          </a:fontRef>
+        </p:style>
+        <p:txBody>
+          <a:bodyPr rtlCol="0" anchor="ctr"/>
+          <a:lstStyle/>
+          <a:p>
+            <a:pPr algn="ctr"/>
+            <a:endParaRPr lang="en-US" dirty="0"/>
+          </a:p>
+        </p:txBody>
+      </p:sp>
+      <p:pic>
+        <p:nvPicPr>
+          <p:cNvPr id="21" name="Picture 206">
+            <a:extLst>
+              <a:ext uri="{FF2B5EF4-FFF2-40B4-BE49-F238E27FC236}">
+                <a16:creationId xmlns:a16="http://schemas.microsoft.com/office/drawing/2014/main" id="{9AF012B7-E7D7-4485-8BFA-EAA86C68EDC1}"/>
+              </a:ext>
+            </a:extLst>
+          </p:cNvPr>
+          <p:cNvPicPr>
+            <a:picLocks noChangeAspect="1"/>
+          </p:cNvPicPr>
+          <p:nvPr/>
+        </p:nvPicPr>
+        <p:blipFill>
+          <a:blip r:embed="rId2"/>
+          <a:stretch>
+            <a:fillRect/>
+          </a:stretch>
+        </p:blipFill>
+        <p:spPr>
+          <a:xfrm>
+            <a:off x="6445951" y="4143634"/>
+            <a:ext cx="431497" cy="377481"/>
+          </a:xfrm>
+          <a:prstGeom prst="rect">
+            <a:avLst/>
+          </a:prstGeom>
+        </p:spPr>
+      </p:pic>
+      <p:pic>
+        <p:nvPicPr>
+          <p:cNvPr id="22" name="Picture 207">
+            <a:extLst>
+              <a:ext uri="{FF2B5EF4-FFF2-40B4-BE49-F238E27FC236}">
+                <a16:creationId xmlns:a16="http://schemas.microsoft.com/office/drawing/2014/main" id="{A1DE13F1-8B80-4344-928D-C59619C5731F}"/>
+              </a:ext>
+            </a:extLst>
+          </p:cNvPr>
+          <p:cNvPicPr>
+            <a:picLocks noChangeAspect="1"/>
+          </p:cNvPicPr>
+          <p:nvPr/>
+        </p:nvPicPr>
+        <p:blipFill>
+          <a:blip r:embed="rId2"/>
+          <a:stretch>
+            <a:fillRect/>
+          </a:stretch>
+        </p:blipFill>
+        <p:spPr>
+          <a:xfrm>
+            <a:off x="7130967" y="4143633"/>
+            <a:ext cx="431497" cy="377481"/>
+          </a:xfrm>
+          <a:prstGeom prst="rect">
+            <a:avLst/>
+          </a:prstGeom>
+        </p:spPr>
+      </p:pic>
+      <p:pic>
+        <p:nvPicPr>
+          <p:cNvPr id="23" name="Picture 208">
+            <a:extLst>
+              <a:ext uri="{FF2B5EF4-FFF2-40B4-BE49-F238E27FC236}">
+                <a16:creationId xmlns:a16="http://schemas.microsoft.com/office/drawing/2014/main" id="{64655B93-4461-481F-894F-F40C6F883764}"/>
+              </a:ext>
+            </a:extLst>
+          </p:cNvPr>
+          <p:cNvPicPr>
+            <a:picLocks noChangeAspect="1"/>
+          </p:cNvPicPr>
+          <p:nvPr/>
+        </p:nvPicPr>
+        <p:blipFill>
+          <a:blip r:embed="rId2"/>
+          <a:stretch>
+            <a:fillRect/>
+          </a:stretch>
+        </p:blipFill>
+        <p:spPr>
+          <a:xfrm>
+            <a:off x="6445951" y="4702574"/>
+            <a:ext cx="431497" cy="377481"/>
+          </a:xfrm>
+          <a:prstGeom prst="rect">
+            <a:avLst/>
+          </a:prstGeom>
+        </p:spPr>
+      </p:pic>
+      <p:pic>
+        <p:nvPicPr>
+          <p:cNvPr id="24" name="Picture 209">
+            <a:extLst>
+              <a:ext uri="{FF2B5EF4-FFF2-40B4-BE49-F238E27FC236}">
+                <a16:creationId xmlns:a16="http://schemas.microsoft.com/office/drawing/2014/main" id="{17A1B680-39A4-4B71-ACCB-12171B02F914}"/>
+              </a:ext>
+            </a:extLst>
+          </p:cNvPr>
+          <p:cNvPicPr>
+            <a:picLocks noChangeAspect="1"/>
+          </p:cNvPicPr>
+          <p:nvPr/>
+        </p:nvPicPr>
+        <p:blipFill>
+          <a:blip r:embed="rId2"/>
+          <a:stretch>
+            <a:fillRect/>
+          </a:stretch>
+        </p:blipFill>
+        <p:spPr>
+          <a:xfrm>
+            <a:off x="7130967" y="4702573"/>
+            <a:ext cx="431497" cy="377481"/>
+          </a:xfrm>
+          <a:prstGeom prst="rect">
+            <a:avLst/>
+          </a:prstGeom>
+        </p:spPr>
+      </p:pic>
+      <p:cxnSp>
+        <p:nvCxnSpPr>
+          <p:cNvPr id="25" name="Straight Connector 211">
+            <a:extLst>
+              <a:ext uri="{FF2B5EF4-FFF2-40B4-BE49-F238E27FC236}">
+                <a16:creationId xmlns:a16="http://schemas.microsoft.com/office/drawing/2014/main" id="{C5B38DF2-BD35-42C7-AECE-A039F5E832E2}"/>
+              </a:ext>
+            </a:extLst>
+          </p:cNvPr>
+          <p:cNvCxnSpPr>
+            <a:cxnSpLocks/>
+            <a:stCxn id="23" idx="2"/>
+            <a:endCxn id="53" idx="0"/>
+          </p:cNvCxnSpPr>
+          <p:nvPr/>
+        </p:nvCxnSpPr>
+        <p:spPr>
+          <a:xfrm flipH="1">
+            <a:off x="6659564" y="5080055"/>
+            <a:ext cx="2136" cy="410956"/>
+          </a:xfrm>
+          <a:prstGeom prst="line">
+            <a:avLst/>
+          </a:prstGeom>
+        </p:spPr>
+        <p:style>
+          <a:lnRef idx="1">
+            <a:schemeClr val="dk1"/>
+          </a:lnRef>
+          <a:fillRef idx="0">
+            <a:schemeClr val="dk1"/>
+          </a:fillRef>
+          <a:effectRef idx="0">
+            <a:schemeClr val="dk1"/>
+          </a:effectRef>
+          <a:fontRef idx="minor">
+            <a:schemeClr val="tx1"/>
+          </a:fontRef>
+        </p:style>
+      </p:cxnSp>
+      <p:cxnSp>
+        <p:nvCxnSpPr>
+          <p:cNvPr id="26" name="Straight Connector 212">
+            <a:extLst>
+              <a:ext uri="{FF2B5EF4-FFF2-40B4-BE49-F238E27FC236}">
+                <a16:creationId xmlns:a16="http://schemas.microsoft.com/office/drawing/2014/main" id="{E54A6A95-835B-401B-BE4D-D265878C2C8A}"/>
+              </a:ext>
+            </a:extLst>
+          </p:cNvPr>
+          <p:cNvCxnSpPr>
+            <a:cxnSpLocks/>
+            <a:stCxn id="24" idx="2"/>
+            <a:endCxn id="54" idx="0"/>
+          </p:cNvCxnSpPr>
+          <p:nvPr/>
+        </p:nvCxnSpPr>
+        <p:spPr>
+          <a:xfrm flipH="1">
+            <a:off x="7344517" y="5080054"/>
+            <a:ext cx="2199" cy="399610"/>
+          </a:xfrm>
+          <a:prstGeom prst="line">
+            <a:avLst/>
+          </a:prstGeom>
+        </p:spPr>
+        <p:style>
+          <a:lnRef idx="1">
+            <a:schemeClr val="dk1"/>
+          </a:lnRef>
+          <a:fillRef idx="0">
+            <a:schemeClr val="dk1"/>
+          </a:fillRef>
+          <a:effectRef idx="0">
+            <a:schemeClr val="dk1"/>
+          </a:effectRef>
+          <a:fontRef idx="minor">
+            <a:schemeClr val="tx1"/>
+          </a:fontRef>
+        </p:style>
+      </p:cxnSp>
+      <p:cxnSp>
+        <p:nvCxnSpPr>
+          <p:cNvPr id="27" name="Straight Connector 218">
+            <a:extLst>
+              <a:ext uri="{FF2B5EF4-FFF2-40B4-BE49-F238E27FC236}">
+                <a16:creationId xmlns:a16="http://schemas.microsoft.com/office/drawing/2014/main" id="{9FE29F83-5051-4B6B-A09E-D5DBFFF823F6}"/>
+              </a:ext>
+            </a:extLst>
+          </p:cNvPr>
+          <p:cNvCxnSpPr>
+            <a:stCxn id="21" idx="2"/>
+            <a:endCxn id="23" idx="0"/>
+          </p:cNvCxnSpPr>
+          <p:nvPr/>
+        </p:nvCxnSpPr>
+        <p:spPr>
+          <a:xfrm>
+            <a:off x="6661700" y="4521115"/>
+            <a:ext cx="0" cy="181459"/>
+          </a:xfrm>
+          <a:prstGeom prst="line">
+            <a:avLst/>
+          </a:prstGeom>
+        </p:spPr>
+        <p:style>
+          <a:lnRef idx="1">
+            <a:schemeClr val="dk1"/>
+          </a:lnRef>
+          <a:fillRef idx="0">
+            <a:schemeClr val="dk1"/>
+          </a:fillRef>
+          <a:effectRef idx="0">
+            <a:schemeClr val="dk1"/>
+          </a:effectRef>
+          <a:fontRef idx="minor">
+            <a:schemeClr val="tx1"/>
+          </a:fontRef>
+        </p:style>
+      </p:cxnSp>
+      <p:cxnSp>
+        <p:nvCxnSpPr>
+          <p:cNvPr id="28" name="Straight Connector 219">
+            <a:extLst>
+              <a:ext uri="{FF2B5EF4-FFF2-40B4-BE49-F238E27FC236}">
+                <a16:creationId xmlns:a16="http://schemas.microsoft.com/office/drawing/2014/main" id="{6B08538A-FCE6-4637-92E8-559C025E9968}"/>
+              </a:ext>
+            </a:extLst>
+          </p:cNvPr>
+          <p:cNvCxnSpPr>
+            <a:stCxn id="22" idx="2"/>
+            <a:endCxn id="24" idx="0"/>
+          </p:cNvCxnSpPr>
+          <p:nvPr/>
+        </p:nvCxnSpPr>
+        <p:spPr>
+          <a:xfrm>
+            <a:off x="7346716" y="4521114"/>
+            <a:ext cx="0" cy="181459"/>
+          </a:xfrm>
+          <a:prstGeom prst="line">
+            <a:avLst/>
+          </a:prstGeom>
+        </p:spPr>
+        <p:style>
+          <a:lnRef idx="1">
+            <a:schemeClr val="dk1"/>
+          </a:lnRef>
+          <a:fillRef idx="0">
+            <a:schemeClr val="dk1"/>
+          </a:fillRef>
+          <a:effectRef idx="0">
+            <a:schemeClr val="dk1"/>
+          </a:effectRef>
+          <a:fontRef idx="minor">
+            <a:schemeClr val="tx1"/>
+          </a:fontRef>
+        </p:style>
+      </p:cxnSp>
+      <p:cxnSp>
+        <p:nvCxnSpPr>
+          <p:cNvPr id="29" name="Straight Connector 220">
+            <a:extLst>
+              <a:ext uri="{FF2B5EF4-FFF2-40B4-BE49-F238E27FC236}">
+                <a16:creationId xmlns:a16="http://schemas.microsoft.com/office/drawing/2014/main" id="{D1AEA6AE-A7A8-42F9-BC0D-0608CF5EEB38}"/>
+              </a:ext>
+            </a:extLst>
+          </p:cNvPr>
+          <p:cNvCxnSpPr>
+            <a:stCxn id="21" idx="3"/>
+            <a:endCxn id="24" idx="1"/>
+          </p:cNvCxnSpPr>
+          <p:nvPr/>
+        </p:nvCxnSpPr>
+        <p:spPr>
+          <a:xfrm>
+            <a:off x="6877448" y="4332375"/>
+            <a:ext cx="253519" cy="558939"/>
+          </a:xfrm>
+          <a:prstGeom prst="line">
+            <a:avLst/>
+          </a:prstGeom>
+        </p:spPr>
+        <p:style>
+          <a:lnRef idx="1">
+            <a:schemeClr val="dk1"/>
+          </a:lnRef>
+          <a:fillRef idx="0">
+            <a:schemeClr val="dk1"/>
+          </a:fillRef>
+          <a:effectRef idx="0">
+            <a:schemeClr val="dk1"/>
+          </a:effectRef>
+          <a:fontRef idx="minor">
+            <a:schemeClr val="tx1"/>
+          </a:fontRef>
+        </p:style>
+      </p:cxnSp>
+      <p:cxnSp>
+        <p:nvCxnSpPr>
+          <p:cNvPr id="30" name="Straight Connector 221">
+            <a:extLst>
+              <a:ext uri="{FF2B5EF4-FFF2-40B4-BE49-F238E27FC236}">
+                <a16:creationId xmlns:a16="http://schemas.microsoft.com/office/drawing/2014/main" id="{8CED9975-B76C-4B89-9F3A-087AF446C370}"/>
+              </a:ext>
+            </a:extLst>
+          </p:cNvPr>
+          <p:cNvCxnSpPr>
+            <a:cxnSpLocks/>
+            <a:stCxn id="22" idx="1"/>
+            <a:endCxn id="23" idx="3"/>
+          </p:cNvCxnSpPr>
+          <p:nvPr/>
+        </p:nvCxnSpPr>
+        <p:spPr>
+          <a:xfrm flipH="1">
+            <a:off x="6877448" y="4332374"/>
+            <a:ext cx="253519" cy="558941"/>
+          </a:xfrm>
+          <a:prstGeom prst="line">
+            <a:avLst/>
+          </a:prstGeom>
+        </p:spPr>
+        <p:style>
+          <a:lnRef idx="1">
+            <a:schemeClr val="dk1"/>
+          </a:lnRef>
+          <a:fillRef idx="0">
+            <a:schemeClr val="dk1"/>
+          </a:fillRef>
+          <a:effectRef idx="0">
+            <a:schemeClr val="dk1"/>
+          </a:effectRef>
+          <a:fontRef idx="minor">
+            <a:schemeClr val="tx1"/>
+          </a:fontRef>
+        </p:style>
+      </p:cxnSp>
+      <p:pic>
+        <p:nvPicPr>
+          <p:cNvPr id="31" name="Picture 240">
+            <a:extLst>
+              <a:ext uri="{FF2B5EF4-FFF2-40B4-BE49-F238E27FC236}">
+                <a16:creationId xmlns:a16="http://schemas.microsoft.com/office/drawing/2014/main" id="{538737A6-D144-40B9-BC15-924FAF21F501}"/>
+              </a:ext>
+            </a:extLst>
+          </p:cNvPr>
+          <p:cNvPicPr>
+            <a:picLocks noChangeAspect="1"/>
+          </p:cNvPicPr>
+          <p:nvPr/>
+        </p:nvPicPr>
+        <p:blipFill>
+          <a:blip r:embed="rId2"/>
+          <a:stretch>
+            <a:fillRect/>
+          </a:stretch>
+        </p:blipFill>
+        <p:spPr>
+          <a:xfrm>
+            <a:off x="5255430" y="2912733"/>
+            <a:ext cx="431497" cy="377481"/>
+          </a:xfrm>
+          <a:prstGeom prst="rect">
+            <a:avLst/>
+          </a:prstGeom>
+        </p:spPr>
+      </p:pic>
+      <p:pic>
+        <p:nvPicPr>
+          <p:cNvPr id="32" name="Picture 241">
+            <a:extLst>
+              <a:ext uri="{FF2B5EF4-FFF2-40B4-BE49-F238E27FC236}">
+                <a16:creationId xmlns:a16="http://schemas.microsoft.com/office/drawing/2014/main" id="{CD290F78-A621-40A3-90B3-E139552D8AAD}"/>
+              </a:ext>
+            </a:extLst>
+          </p:cNvPr>
+          <p:cNvPicPr>
+            <a:picLocks noChangeAspect="1"/>
+          </p:cNvPicPr>
+          <p:nvPr/>
+        </p:nvPicPr>
+        <p:blipFill>
+          <a:blip r:embed="rId2"/>
+          <a:stretch>
+            <a:fillRect/>
+          </a:stretch>
+        </p:blipFill>
+        <p:spPr>
+          <a:xfrm>
+            <a:off x="6400840" y="2884608"/>
+            <a:ext cx="431497" cy="377481"/>
+          </a:xfrm>
+          <a:prstGeom prst="rect">
+            <a:avLst/>
+          </a:prstGeom>
+        </p:spPr>
+      </p:pic>
+      <p:cxnSp>
+        <p:nvCxnSpPr>
+          <p:cNvPr id="33" name="Straight Connector 141">
+            <a:extLst>
+              <a:ext uri="{FF2B5EF4-FFF2-40B4-BE49-F238E27FC236}">
+                <a16:creationId xmlns:a16="http://schemas.microsoft.com/office/drawing/2014/main" id="{8B6E08DC-D42E-4926-BBB7-F6C4C898B385}"/>
+              </a:ext>
+            </a:extLst>
+          </p:cNvPr>
+          <p:cNvCxnSpPr>
+            <a:stCxn id="8" idx="0"/>
+            <a:endCxn id="31" idx="2"/>
+          </p:cNvCxnSpPr>
+          <p:nvPr/>
+        </p:nvCxnSpPr>
+        <p:spPr>
+          <a:xfrm flipV="1">
+            <a:off x="4759732" y="3290214"/>
+            <a:ext cx="711447" cy="866957"/>
+          </a:xfrm>
+          <a:prstGeom prst="line">
+            <a:avLst/>
+          </a:prstGeom>
+        </p:spPr>
+        <p:style>
+          <a:lnRef idx="1">
+            <a:schemeClr val="dk1"/>
+          </a:lnRef>
+          <a:fillRef idx="0">
+            <a:schemeClr val="dk1"/>
+          </a:fillRef>
+          <a:effectRef idx="0">
+            <a:schemeClr val="dk1"/>
+          </a:effectRef>
+          <a:fontRef idx="minor">
+            <a:schemeClr val="tx1"/>
+          </a:fontRef>
+        </p:style>
+      </p:cxnSp>
+      <p:cxnSp>
+        <p:nvCxnSpPr>
+          <p:cNvPr id="34" name="Straight Connector 143">
+            <a:extLst>
+              <a:ext uri="{FF2B5EF4-FFF2-40B4-BE49-F238E27FC236}">
+                <a16:creationId xmlns:a16="http://schemas.microsoft.com/office/drawing/2014/main" id="{142F64DA-4ADC-4299-BDEE-4A233BC5904B}"/>
+              </a:ext>
+            </a:extLst>
+          </p:cNvPr>
+          <p:cNvCxnSpPr>
+            <a:cxnSpLocks/>
+            <a:stCxn id="9" idx="0"/>
+            <a:endCxn id="32" idx="2"/>
+          </p:cNvCxnSpPr>
+          <p:nvPr/>
+        </p:nvCxnSpPr>
+        <p:spPr>
+          <a:xfrm flipV="1">
+            <a:off x="5444748" y="3262089"/>
+            <a:ext cx="1171841" cy="895081"/>
+          </a:xfrm>
+          <a:prstGeom prst="line">
+            <a:avLst/>
+          </a:prstGeom>
+        </p:spPr>
+        <p:style>
+          <a:lnRef idx="1">
+            <a:schemeClr val="dk1"/>
+          </a:lnRef>
+          <a:fillRef idx="0">
+            <a:schemeClr val="dk1"/>
+          </a:fillRef>
+          <a:effectRef idx="0">
+            <a:schemeClr val="dk1"/>
+          </a:effectRef>
+          <a:fontRef idx="minor">
+            <a:schemeClr val="tx1"/>
+          </a:fontRef>
+        </p:style>
+      </p:cxnSp>
+      <p:cxnSp>
+        <p:nvCxnSpPr>
+          <p:cNvPr id="35" name="Straight Connector 319">
+            <a:extLst>
+              <a:ext uri="{FF2B5EF4-FFF2-40B4-BE49-F238E27FC236}">
+                <a16:creationId xmlns:a16="http://schemas.microsoft.com/office/drawing/2014/main" id="{58C7F492-8D62-4D51-AE37-93554D85F40B}"/>
+              </a:ext>
+            </a:extLst>
+          </p:cNvPr>
+          <p:cNvCxnSpPr>
+            <a:stCxn id="31" idx="2"/>
+            <a:endCxn id="21" idx="0"/>
+          </p:cNvCxnSpPr>
+          <p:nvPr/>
+        </p:nvCxnSpPr>
+        <p:spPr>
+          <a:xfrm>
+            <a:off x="5471179" y="3290214"/>
+            <a:ext cx="1190521" cy="853420"/>
+          </a:xfrm>
+          <a:prstGeom prst="line">
+            <a:avLst/>
+          </a:prstGeom>
+        </p:spPr>
+        <p:style>
+          <a:lnRef idx="1">
+            <a:schemeClr val="dk1"/>
+          </a:lnRef>
+          <a:fillRef idx="0">
+            <a:schemeClr val="dk1"/>
+          </a:fillRef>
+          <a:effectRef idx="0">
+            <a:schemeClr val="dk1"/>
+          </a:effectRef>
+          <a:fontRef idx="minor">
+            <a:schemeClr val="tx1"/>
+          </a:fontRef>
+        </p:style>
+      </p:cxnSp>
+      <p:cxnSp>
+        <p:nvCxnSpPr>
+          <p:cNvPr id="36" name="Straight Connector 325">
+            <a:extLst>
+              <a:ext uri="{FF2B5EF4-FFF2-40B4-BE49-F238E27FC236}">
+                <a16:creationId xmlns:a16="http://schemas.microsoft.com/office/drawing/2014/main" id="{E2D02142-46C0-4953-BC82-ECD2087FA644}"/>
+              </a:ext>
+            </a:extLst>
+          </p:cNvPr>
+          <p:cNvCxnSpPr>
+            <a:cxnSpLocks/>
+            <a:stCxn id="32" idx="2"/>
+            <a:endCxn id="22" idx="0"/>
+          </p:cNvCxnSpPr>
+          <p:nvPr/>
+        </p:nvCxnSpPr>
+        <p:spPr>
+          <a:xfrm>
+            <a:off x="6616589" y="3262089"/>
+            <a:ext cx="730127" cy="881544"/>
+          </a:xfrm>
+          <a:prstGeom prst="line">
+            <a:avLst/>
+          </a:prstGeom>
+        </p:spPr>
+        <p:style>
+          <a:lnRef idx="1">
+            <a:schemeClr val="dk1"/>
+          </a:lnRef>
+          <a:fillRef idx="0">
+            <a:schemeClr val="dk1"/>
+          </a:fillRef>
+          <a:effectRef idx="0">
+            <a:schemeClr val="dk1"/>
+          </a:effectRef>
+          <a:fontRef idx="minor">
+            <a:schemeClr val="tx1"/>
+          </a:fontRef>
+        </p:style>
+      </p:cxnSp>
+      <p:sp>
+        <p:nvSpPr>
+          <p:cNvPr id="43" name="文本框 42">
+            <a:extLst>
+              <a:ext uri="{FF2B5EF4-FFF2-40B4-BE49-F238E27FC236}">
+                <a16:creationId xmlns:a16="http://schemas.microsoft.com/office/drawing/2014/main" id="{41CE5A0C-7CA6-4691-8032-C5CBA783C9E0}"/>
+              </a:ext>
+            </a:extLst>
+          </p:cNvPr>
+          <p:cNvSpPr txBox="1"/>
+          <p:nvPr/>
+        </p:nvSpPr>
+        <p:spPr>
+          <a:xfrm>
+            <a:off x="6060586" y="2383393"/>
+            <a:ext cx="1116011" cy="369332"/>
+          </a:xfrm>
+          <a:prstGeom prst="rect">
+            <a:avLst/>
+          </a:prstGeom>
+          <a:noFill/>
+        </p:spPr>
+        <p:txBody>
+          <a:bodyPr wrap="none" rtlCol="0">
+            <a:spAutoFit/>
+          </a:bodyPr>
+          <a:lstStyle/>
+          <a:p>
             <a:r>
               <a:rPr lang="en-US" altLang="zh-CN" dirty="0"/>
-              <a:t>(optional)</a:t>
-            </a:r>
-          </a:p>
-          <a:p>
-            <a:r>
-              <a:rPr lang="zh-CN" altLang="en-US" dirty="0"/>
-              <a:t>普通用户登录</a:t>
-            </a:r>
-            <a:r>
-              <a:rPr lang="en-US" altLang="zh-CN" dirty="0"/>
-              <a:t>(optional)</a:t>
-            </a:r>
-          </a:p>
-          <a:p>
-            <a:r>
-              <a:rPr lang="zh-CN" altLang="en-US" dirty="0"/>
-              <a:t>管理员登录</a:t>
-            </a:r>
-            <a:endParaRPr lang="en-US" altLang="zh-CN" dirty="0"/>
-          </a:p>
-          <a:p>
-            <a:pPr lvl="1"/>
-            <a:r>
-              <a:rPr lang="zh-CN" altLang="en-US" dirty="0"/>
-              <a:t>向控制层模块数据库查询可用的路由模态</a:t>
-            </a:r>
-            <a:endParaRPr lang="en-US" altLang="zh-CN" dirty="0"/>
-          </a:p>
-          <a:p>
-            <a:pPr lvl="1"/>
-            <a:r>
-              <a:rPr lang="zh-CN" altLang="en-US" dirty="0"/>
-              <a:t>添加</a:t>
-            </a:r>
-            <a:r>
-              <a:rPr lang="en-US" altLang="zh-CN" dirty="0"/>
-              <a:t>SFC</a:t>
-            </a:r>
-            <a:r>
-              <a:rPr lang="zh-CN" altLang="en-US" dirty="0"/>
-              <a:t>（选择业务类型）</a:t>
-            </a:r>
-            <a:endParaRPr lang="en-US" altLang="zh-CN" dirty="0"/>
-          </a:p>
-          <a:p>
-            <a:pPr lvl="2"/>
-            <a:r>
-              <a:rPr lang="zh-CN" altLang="en-US" dirty="0"/>
-              <a:t>添加</a:t>
-            </a:r>
-            <a:r>
-              <a:rPr lang="en-US" altLang="zh-CN" dirty="0"/>
-              <a:t>SFCI</a:t>
-            </a:r>
-            <a:r>
-              <a:rPr lang="zh-CN" altLang="en-US" dirty="0"/>
-              <a:t>（自动</a:t>
-            </a:r>
-            <a:r>
-              <a:rPr lang="en-US" altLang="zh-CN" dirty="0"/>
-              <a:t>/</a:t>
-            </a:r>
-            <a:r>
-              <a:rPr lang="zh-CN" altLang="en-US" dirty="0"/>
-              <a:t>手动选择路由模态；添加</a:t>
-            </a:r>
-            <a:r>
-              <a:rPr lang="en-US" altLang="zh-CN" dirty="0" err="1"/>
-              <a:t>vnf</a:t>
-            </a:r>
-            <a:r>
-              <a:rPr lang="en-US" altLang="zh-CN" dirty="0"/>
-              <a:t> config</a:t>
-            </a:r>
-            <a:r>
-              <a:rPr lang="zh-CN" altLang="en-US" dirty="0"/>
-              <a:t>；）</a:t>
-            </a:r>
-            <a:endParaRPr lang="en-US" altLang="zh-CN" dirty="0"/>
-          </a:p>
-          <a:p>
-            <a:pPr lvl="2"/>
-            <a:r>
-              <a:rPr lang="zh-CN" altLang="en-US" dirty="0"/>
-              <a:t>删除</a:t>
-            </a:r>
-            <a:r>
-              <a:rPr lang="en-US" altLang="zh-CN" dirty="0"/>
-              <a:t>SFCI</a:t>
-            </a:r>
-          </a:p>
-          <a:p>
-            <a:pPr lvl="1"/>
-            <a:r>
-              <a:rPr lang="zh-CN" altLang="en-US" dirty="0"/>
-              <a:t>删除</a:t>
-            </a:r>
-            <a:r>
-              <a:rPr lang="en-US" altLang="zh-CN" dirty="0"/>
-              <a:t>SFC</a:t>
-            </a:r>
-          </a:p>
-          <a:p>
-            <a:pPr lvl="1"/>
-            <a:r>
-              <a:rPr lang="zh-CN" altLang="en-US" dirty="0"/>
-              <a:t>查看服务器列表、交换机列表、</a:t>
-            </a:r>
-            <a:r>
-              <a:rPr lang="en-US" altLang="zh-CN" dirty="0"/>
-              <a:t>SFC</a:t>
-            </a:r>
-            <a:r>
-              <a:rPr lang="zh-CN" altLang="en-US" dirty="0"/>
-              <a:t>列表、</a:t>
-            </a:r>
-            <a:r>
-              <a:rPr lang="en-US" altLang="zh-CN" dirty="0"/>
-              <a:t>SFCI</a:t>
-            </a:r>
-            <a:r>
-              <a:rPr lang="zh-CN" altLang="en-US" dirty="0"/>
-              <a:t>列表、</a:t>
+              <a:t>DCN</a:t>
+            </a:r>
+            <a:r>
+              <a:rPr lang="zh-CN" altLang="en-US" dirty="0"/>
+              <a:t>网关</a:t>
+            </a:r>
+          </a:p>
+        </p:txBody>
+      </p:sp>
+      <p:cxnSp>
+        <p:nvCxnSpPr>
+          <p:cNvPr id="44" name="Straight Connector 325">
+            <a:extLst>
+              <a:ext uri="{FF2B5EF4-FFF2-40B4-BE49-F238E27FC236}">
+                <a16:creationId xmlns:a16="http://schemas.microsoft.com/office/drawing/2014/main" id="{B4D2B65F-1B0D-4461-B84C-C602025F5596}"/>
+              </a:ext>
+            </a:extLst>
+          </p:cNvPr>
+          <p:cNvCxnSpPr>
+            <a:cxnSpLocks/>
+            <a:stCxn id="46" idx="2"/>
+            <a:endCxn id="32" idx="0"/>
+          </p:cNvCxnSpPr>
+          <p:nvPr/>
+        </p:nvCxnSpPr>
+        <p:spPr>
+          <a:xfrm>
+            <a:off x="6615175" y="2371072"/>
+            <a:ext cx="1414" cy="513536"/>
+          </a:xfrm>
+          <a:prstGeom prst="line">
+            <a:avLst/>
+          </a:prstGeom>
+        </p:spPr>
+        <p:style>
+          <a:lnRef idx="1">
+            <a:schemeClr val="dk1"/>
+          </a:lnRef>
+          <a:fillRef idx="0">
+            <a:schemeClr val="dk1"/>
+          </a:fillRef>
+          <a:effectRef idx="0">
+            <a:schemeClr val="dk1"/>
+          </a:effectRef>
+          <a:fontRef idx="minor">
+            <a:schemeClr val="tx1"/>
+          </a:fontRef>
+        </p:style>
+      </p:cxnSp>
+      <p:grpSp>
+        <p:nvGrpSpPr>
+          <p:cNvPr id="45" name="组合 44">
+            <a:extLst>
+              <a:ext uri="{FF2B5EF4-FFF2-40B4-BE49-F238E27FC236}">
+                <a16:creationId xmlns:a16="http://schemas.microsoft.com/office/drawing/2014/main" id="{4DF546EB-5E14-4C26-875A-806E0BE57F08}"/>
+              </a:ext>
+            </a:extLst>
+          </p:cNvPr>
+          <p:cNvGrpSpPr/>
+          <p:nvPr/>
+        </p:nvGrpSpPr>
+        <p:grpSpPr>
+          <a:xfrm>
+            <a:off x="6427654" y="1528621"/>
+            <a:ext cx="1107996" cy="842451"/>
+            <a:chOff x="6418227" y="1057280"/>
+            <a:chExt cx="1107996" cy="842451"/>
+          </a:xfrm>
+        </p:grpSpPr>
+        <p:pic>
+          <p:nvPicPr>
+            <p:cNvPr id="46" name="Picture 210">
+              <a:extLst>
+                <a:ext uri="{FF2B5EF4-FFF2-40B4-BE49-F238E27FC236}">
+                  <a16:creationId xmlns:a16="http://schemas.microsoft.com/office/drawing/2014/main" id="{C3AD6E3E-5B4D-49C5-B910-EA84649D2F36}"/>
+                </a:ext>
+              </a:extLst>
+            </p:cNvPr>
+            <p:cNvPicPr>
+              <a:picLocks noChangeAspect="1"/>
+            </p:cNvPicPr>
+            <p:nvPr/>
+          </p:nvPicPr>
+          <p:blipFill>
+            <a:blip r:embed="rId3"/>
+            <a:stretch>
+              <a:fillRect/>
+            </a:stretch>
+          </p:blipFill>
+          <p:spPr>
+            <a:xfrm>
+              <a:off x="6428106" y="1413546"/>
+              <a:ext cx="355283" cy="486185"/>
+            </a:xfrm>
+            <a:prstGeom prst="rect">
+              <a:avLst/>
+            </a:prstGeom>
+          </p:spPr>
+        </p:pic>
+        <p:sp>
+          <p:nvSpPr>
+            <p:cNvPr id="47" name="文本框 46">
+              <a:extLst>
+                <a:ext uri="{FF2B5EF4-FFF2-40B4-BE49-F238E27FC236}">
+                  <a16:creationId xmlns:a16="http://schemas.microsoft.com/office/drawing/2014/main" id="{0BFC366D-8ECE-4AF9-A1D4-A9360E02960D}"/>
+                </a:ext>
+              </a:extLst>
+            </p:cNvPr>
+            <p:cNvSpPr txBox="1"/>
+            <p:nvPr/>
+          </p:nvSpPr>
+          <p:spPr>
+            <a:xfrm>
+              <a:off x="6418227" y="1057280"/>
+              <a:ext cx="1107996" cy="369332"/>
+            </a:xfrm>
+            <a:prstGeom prst="rect">
+              <a:avLst/>
+            </a:prstGeom>
+            <a:noFill/>
+          </p:spPr>
+          <p:txBody>
+            <a:bodyPr wrap="none" rtlCol="0">
+              <a:spAutoFit/>
+            </a:bodyPr>
+            <a:lstStyle/>
+            <a:p>
+              <a:r>
+                <a:rPr lang="zh-CN" altLang="en-US" dirty="0"/>
+                <a:t>流量生成</a:t>
+              </a:r>
+            </a:p>
+          </p:txBody>
+        </p:sp>
+      </p:grpSp>
+      <p:cxnSp>
+        <p:nvCxnSpPr>
+          <p:cNvPr id="48" name="Straight Connector 325">
+            <a:extLst>
+              <a:ext uri="{FF2B5EF4-FFF2-40B4-BE49-F238E27FC236}">
+                <a16:creationId xmlns:a16="http://schemas.microsoft.com/office/drawing/2014/main" id="{759701D1-0CFB-4979-B3A1-67F312615DE2}"/>
+              </a:ext>
+            </a:extLst>
+          </p:cNvPr>
+          <p:cNvCxnSpPr>
+            <a:cxnSpLocks/>
+            <a:stCxn id="31" idx="1"/>
+            <a:endCxn id="50" idx="3"/>
+          </p:cNvCxnSpPr>
+          <p:nvPr/>
+        </p:nvCxnSpPr>
+        <p:spPr>
+          <a:xfrm flipH="1" flipV="1">
+            <a:off x="3961105" y="3101075"/>
+            <a:ext cx="1294325" cy="399"/>
+          </a:xfrm>
+          <a:prstGeom prst="line">
+            <a:avLst/>
+          </a:prstGeom>
+        </p:spPr>
+        <p:style>
+          <a:lnRef idx="1">
+            <a:schemeClr val="dk1"/>
+          </a:lnRef>
+          <a:fillRef idx="0">
+            <a:schemeClr val="dk1"/>
+          </a:fillRef>
+          <a:effectRef idx="0">
+            <a:schemeClr val="dk1"/>
+          </a:effectRef>
+          <a:fontRef idx="minor">
+            <a:schemeClr val="tx1"/>
+          </a:fontRef>
+        </p:style>
+      </p:cxnSp>
+      <p:grpSp>
+        <p:nvGrpSpPr>
+          <p:cNvPr id="49" name="组合 48">
+            <a:extLst>
+              <a:ext uri="{FF2B5EF4-FFF2-40B4-BE49-F238E27FC236}">
+                <a16:creationId xmlns:a16="http://schemas.microsoft.com/office/drawing/2014/main" id="{F2D6BA0D-FB59-421C-A5C9-A7FF46163417}"/>
+              </a:ext>
+            </a:extLst>
+          </p:cNvPr>
+          <p:cNvGrpSpPr/>
+          <p:nvPr/>
+        </p:nvGrpSpPr>
+        <p:grpSpPr>
+          <a:xfrm>
+            <a:off x="1895585" y="2857982"/>
+            <a:ext cx="2065520" cy="842515"/>
+            <a:chOff x="2035201" y="1635287"/>
+            <a:chExt cx="2065520" cy="842515"/>
+          </a:xfrm>
+        </p:grpSpPr>
+        <p:pic>
+          <p:nvPicPr>
+            <p:cNvPr id="50" name="Picture 210">
+              <a:extLst>
+                <a:ext uri="{FF2B5EF4-FFF2-40B4-BE49-F238E27FC236}">
+                  <a16:creationId xmlns:a16="http://schemas.microsoft.com/office/drawing/2014/main" id="{5CFBC85C-4793-4F4B-A288-7DC7B59E96F1}"/>
+                </a:ext>
+              </a:extLst>
+            </p:cNvPr>
+            <p:cNvPicPr>
+              <a:picLocks noChangeAspect="1"/>
+            </p:cNvPicPr>
+            <p:nvPr/>
+          </p:nvPicPr>
+          <p:blipFill>
+            <a:blip r:embed="rId3"/>
+            <a:stretch>
+              <a:fillRect/>
+            </a:stretch>
+          </p:blipFill>
+          <p:spPr>
+            <a:xfrm>
+              <a:off x="3745438" y="1635287"/>
+              <a:ext cx="355283" cy="486185"/>
+            </a:xfrm>
+            <a:prstGeom prst="rect">
+              <a:avLst/>
+            </a:prstGeom>
+          </p:spPr>
+        </p:pic>
+        <p:sp>
+          <p:nvSpPr>
+            <p:cNvPr id="51" name="文本框 50">
+              <a:extLst>
+                <a:ext uri="{FF2B5EF4-FFF2-40B4-BE49-F238E27FC236}">
+                  <a16:creationId xmlns:a16="http://schemas.microsoft.com/office/drawing/2014/main" id="{E2A43E4D-35B7-4298-B57F-C2CADB6F604C}"/>
+                </a:ext>
+              </a:extLst>
+            </p:cNvPr>
+            <p:cNvSpPr txBox="1"/>
+            <p:nvPr/>
+          </p:nvSpPr>
+          <p:spPr>
+            <a:xfrm>
+              <a:off x="2035201" y="1831471"/>
+              <a:ext cx="2031325" cy="646331"/>
+            </a:xfrm>
+            <a:prstGeom prst="rect">
+              <a:avLst/>
+            </a:prstGeom>
+            <a:noFill/>
+          </p:spPr>
+          <p:txBody>
+            <a:bodyPr wrap="none" rtlCol="0">
+              <a:spAutoFit/>
+            </a:bodyPr>
+            <a:lstStyle/>
+            <a:p>
+              <a:r>
+                <a:rPr lang="zh-CN" altLang="en-US" dirty="0"/>
+                <a:t>编排系统</a:t>
+              </a:r>
+              <a:endParaRPr lang="en-US" altLang="zh-CN" dirty="0"/>
+            </a:p>
+            <a:p>
+              <a:r>
+                <a:rPr lang="zh-CN" altLang="en-US" dirty="0"/>
+                <a:t>包括前端，数据库</a:t>
+              </a:r>
+            </a:p>
+          </p:txBody>
+        </p:sp>
+      </p:grpSp>
+      <p:sp>
+        <p:nvSpPr>
+          <p:cNvPr id="52" name="文本框 51">
+            <a:extLst>
+              <a:ext uri="{FF2B5EF4-FFF2-40B4-BE49-F238E27FC236}">
+                <a16:creationId xmlns:a16="http://schemas.microsoft.com/office/drawing/2014/main" id="{D8DB7101-12CC-405B-A277-04C950DA454B}"/>
+              </a:ext>
+            </a:extLst>
+          </p:cNvPr>
+          <p:cNvSpPr txBox="1"/>
+          <p:nvPr/>
+        </p:nvSpPr>
+        <p:spPr>
+          <a:xfrm flipH="1">
+            <a:off x="4506883" y="5904258"/>
+            <a:ext cx="1217143" cy="369332"/>
+          </a:xfrm>
+          <a:prstGeom prst="rect">
+            <a:avLst/>
+          </a:prstGeom>
+          <a:noFill/>
+        </p:spPr>
+        <p:txBody>
+          <a:bodyPr wrap="square" rtlCol="0">
+            <a:spAutoFit/>
+          </a:bodyPr>
+          <a:lstStyle/>
+          <a:p>
+            <a:r>
+              <a:rPr lang="zh-CN" altLang="en-US" dirty="0"/>
+              <a:t>部署</a:t>
             </a:r>
             <a:r>
               <a:rPr lang="en-US" altLang="zh-CN" dirty="0"/>
               <a:t>VNF</a:t>
             </a:r>
-            <a:r>
-              <a:rPr lang="zh-CN" altLang="en-US" dirty="0"/>
-              <a:t>列表</a:t>
-            </a:r>
-            <a:endParaRPr lang="en-US" altLang="zh-CN" dirty="0"/>
+            <a:endParaRPr lang="zh-CN" altLang="en-US" dirty="0"/>
+          </a:p>
+        </p:txBody>
+      </p:sp>
+      <p:pic>
+        <p:nvPicPr>
+          <p:cNvPr id="53" name="Picture 208">
+            <a:extLst>
+              <a:ext uri="{FF2B5EF4-FFF2-40B4-BE49-F238E27FC236}">
+                <a16:creationId xmlns:a16="http://schemas.microsoft.com/office/drawing/2014/main" id="{3ED4D869-B0BF-4CFB-AADB-8B257C3B9C7A}"/>
+              </a:ext>
+            </a:extLst>
+          </p:cNvPr>
+          <p:cNvPicPr>
+            <a:picLocks noChangeAspect="1"/>
+          </p:cNvPicPr>
+          <p:nvPr/>
+        </p:nvPicPr>
+        <p:blipFill>
+          <a:blip r:embed="rId2"/>
+          <a:stretch>
+            <a:fillRect/>
+          </a:stretch>
+        </p:blipFill>
+        <p:spPr>
+          <a:xfrm>
+            <a:off x="6443815" y="5491011"/>
+            <a:ext cx="431497" cy="377481"/>
+          </a:xfrm>
+          <a:prstGeom prst="rect">
+            <a:avLst/>
+          </a:prstGeom>
+        </p:spPr>
+      </p:pic>
+      <p:pic>
+        <p:nvPicPr>
+          <p:cNvPr id="54" name="Picture 208">
+            <a:extLst>
+              <a:ext uri="{FF2B5EF4-FFF2-40B4-BE49-F238E27FC236}">
+                <a16:creationId xmlns:a16="http://schemas.microsoft.com/office/drawing/2014/main" id="{1788E6B0-7B2B-4AD6-BE89-C04E56A2F0FA}"/>
+              </a:ext>
+            </a:extLst>
+          </p:cNvPr>
+          <p:cNvPicPr>
+            <a:picLocks noChangeAspect="1"/>
+          </p:cNvPicPr>
+          <p:nvPr/>
+        </p:nvPicPr>
+        <p:blipFill>
+          <a:blip r:embed="rId2"/>
+          <a:stretch>
+            <a:fillRect/>
+          </a:stretch>
+        </p:blipFill>
+        <p:spPr>
+          <a:xfrm>
+            <a:off x="7128768" y="5479664"/>
+            <a:ext cx="431497" cy="377481"/>
+          </a:xfrm>
+          <a:prstGeom prst="rect">
+            <a:avLst/>
+          </a:prstGeom>
+        </p:spPr>
+      </p:pic>
+      <p:sp>
+        <p:nvSpPr>
+          <p:cNvPr id="55" name="文本框 54">
+            <a:extLst>
+              <a:ext uri="{FF2B5EF4-FFF2-40B4-BE49-F238E27FC236}">
+                <a16:creationId xmlns:a16="http://schemas.microsoft.com/office/drawing/2014/main" id="{F2FC68BF-B7AE-4DB3-B1AE-145343092A9E}"/>
+              </a:ext>
+            </a:extLst>
+          </p:cNvPr>
+          <p:cNvSpPr txBox="1"/>
+          <p:nvPr/>
+        </p:nvSpPr>
+        <p:spPr>
+          <a:xfrm flipH="1">
+            <a:off x="6522395" y="5931836"/>
+            <a:ext cx="1217143" cy="369332"/>
+          </a:xfrm>
+          <a:prstGeom prst="rect">
+            <a:avLst/>
+          </a:prstGeom>
+          <a:noFill/>
+        </p:spPr>
+        <p:txBody>
+          <a:bodyPr wrap="square" rtlCol="0">
+            <a:spAutoFit/>
+          </a:bodyPr>
+          <a:lstStyle/>
+          <a:p>
+            <a:r>
+              <a:rPr lang="zh-CN" altLang="en-US" dirty="0"/>
+              <a:t>部署</a:t>
+            </a:r>
+            <a:r>
+              <a:rPr lang="en-US" altLang="zh-CN" dirty="0"/>
+              <a:t>NF</a:t>
+            </a:r>
+            <a:endParaRPr lang="zh-CN" altLang="en-US" dirty="0"/>
+          </a:p>
+        </p:txBody>
+      </p:sp>
+      <p:cxnSp>
+        <p:nvCxnSpPr>
+          <p:cNvPr id="56" name="Straight Connector 19">
+            <a:extLst>
+              <a:ext uri="{FF2B5EF4-FFF2-40B4-BE49-F238E27FC236}">
+                <a16:creationId xmlns:a16="http://schemas.microsoft.com/office/drawing/2014/main" id="{A071D08F-46D0-413D-9B0F-A92850DA207D}"/>
+              </a:ext>
+            </a:extLst>
+          </p:cNvPr>
+          <p:cNvCxnSpPr>
+            <a:cxnSpLocks/>
+          </p:cNvCxnSpPr>
+          <p:nvPr/>
+        </p:nvCxnSpPr>
+        <p:spPr>
+          <a:xfrm>
+            <a:off x="4829077" y="5080054"/>
+            <a:ext cx="0" cy="330823"/>
+          </a:xfrm>
+          <a:prstGeom prst="line">
+            <a:avLst/>
+          </a:prstGeom>
+        </p:spPr>
+        <p:style>
+          <a:lnRef idx="1">
+            <a:schemeClr val="dk1"/>
+          </a:lnRef>
+          <a:fillRef idx="0">
+            <a:schemeClr val="dk1"/>
+          </a:fillRef>
+          <a:effectRef idx="0">
+            <a:schemeClr val="dk1"/>
+          </a:effectRef>
+          <a:fontRef idx="minor">
+            <a:schemeClr val="tx1"/>
+          </a:fontRef>
+        </p:style>
+      </p:cxnSp>
+      <p:cxnSp>
+        <p:nvCxnSpPr>
+          <p:cNvPr id="57" name="Straight Connector 21">
+            <a:extLst>
+              <a:ext uri="{FF2B5EF4-FFF2-40B4-BE49-F238E27FC236}">
+                <a16:creationId xmlns:a16="http://schemas.microsoft.com/office/drawing/2014/main" id="{8E2C03C3-757E-447B-AFC2-19AFCA1D8DB6}"/>
+              </a:ext>
+            </a:extLst>
+          </p:cNvPr>
+          <p:cNvCxnSpPr>
+            <a:cxnSpLocks/>
+          </p:cNvCxnSpPr>
+          <p:nvPr/>
+        </p:nvCxnSpPr>
+        <p:spPr>
+          <a:xfrm flipH="1">
+            <a:off x="5528749" y="5087672"/>
+            <a:ext cx="6114" cy="331245"/>
+          </a:xfrm>
+          <a:prstGeom prst="line">
+            <a:avLst/>
+          </a:prstGeom>
+        </p:spPr>
+        <p:style>
+          <a:lnRef idx="1">
+            <a:schemeClr val="dk1"/>
+          </a:lnRef>
+          <a:fillRef idx="0">
+            <a:schemeClr val="dk1"/>
+          </a:fillRef>
+          <a:effectRef idx="0">
+            <a:schemeClr val="dk1"/>
+          </a:effectRef>
+          <a:fontRef idx="minor">
+            <a:schemeClr val="tx1"/>
+          </a:fontRef>
+        </p:style>
+      </p:cxnSp>
+      <p:grpSp>
+        <p:nvGrpSpPr>
+          <p:cNvPr id="58" name="组合 57">
+            <a:extLst>
+              <a:ext uri="{FF2B5EF4-FFF2-40B4-BE49-F238E27FC236}">
+                <a16:creationId xmlns:a16="http://schemas.microsoft.com/office/drawing/2014/main" id="{4BB5AB74-55FF-4CC7-97FC-93112DDC5CAC}"/>
+              </a:ext>
+            </a:extLst>
+          </p:cNvPr>
+          <p:cNvGrpSpPr/>
+          <p:nvPr/>
+        </p:nvGrpSpPr>
+        <p:grpSpPr>
+          <a:xfrm>
+            <a:off x="6832337" y="2830255"/>
+            <a:ext cx="2604257" cy="486185"/>
+            <a:chOff x="6832337" y="2358914"/>
+            <a:chExt cx="2604257" cy="486185"/>
+          </a:xfrm>
+        </p:grpSpPr>
+        <p:pic>
+          <p:nvPicPr>
+            <p:cNvPr id="59" name="Picture 210">
+              <a:extLst>
+                <a:ext uri="{FF2B5EF4-FFF2-40B4-BE49-F238E27FC236}">
+                  <a16:creationId xmlns:a16="http://schemas.microsoft.com/office/drawing/2014/main" id="{F32E066C-B154-414F-A32C-219989D11B61}"/>
+                </a:ext>
+              </a:extLst>
+            </p:cNvPr>
+            <p:cNvPicPr>
+              <a:picLocks noChangeAspect="1"/>
+            </p:cNvPicPr>
+            <p:nvPr/>
+          </p:nvPicPr>
+          <p:blipFill>
+            <a:blip r:embed="rId3"/>
+            <a:stretch>
+              <a:fillRect/>
+            </a:stretch>
+          </p:blipFill>
+          <p:spPr>
+            <a:xfrm>
+              <a:off x="8095708" y="2358914"/>
+              <a:ext cx="355283" cy="486185"/>
+            </a:xfrm>
+            <a:prstGeom prst="rect">
+              <a:avLst/>
+            </a:prstGeom>
+          </p:spPr>
+        </p:pic>
+        <p:cxnSp>
+          <p:nvCxnSpPr>
+            <p:cNvPr id="60" name="Straight Connector 325">
+              <a:extLst>
+                <a:ext uri="{FF2B5EF4-FFF2-40B4-BE49-F238E27FC236}">
+                  <a16:creationId xmlns:a16="http://schemas.microsoft.com/office/drawing/2014/main" id="{1D7C5797-B7AC-405B-9C8B-20E4F5AD4419}"/>
+                </a:ext>
+              </a:extLst>
+            </p:cNvPr>
+            <p:cNvCxnSpPr>
+              <a:cxnSpLocks/>
+              <a:stCxn id="59" idx="1"/>
+              <a:endCxn id="32" idx="3"/>
+            </p:cNvCxnSpPr>
+            <p:nvPr/>
+          </p:nvCxnSpPr>
+          <p:spPr>
+            <a:xfrm flipH="1">
+              <a:off x="6832337" y="2602007"/>
+              <a:ext cx="1263371" cy="1"/>
+            </a:xfrm>
+            <a:prstGeom prst="line">
+              <a:avLst/>
+            </a:prstGeom>
+          </p:spPr>
+          <p:style>
+            <a:lnRef idx="1">
+              <a:schemeClr val="dk1"/>
+            </a:lnRef>
+            <a:fillRef idx="0">
+              <a:schemeClr val="dk1"/>
+            </a:fillRef>
+            <a:effectRef idx="0">
+              <a:schemeClr val="dk1"/>
+            </a:effectRef>
+            <a:fontRef idx="minor">
+              <a:schemeClr val="tx1"/>
+            </a:fontRef>
+          </p:style>
+        </p:cxnSp>
+        <p:sp>
+          <p:nvSpPr>
+            <p:cNvPr id="61" name="文本框 60">
+              <a:extLst>
+                <a:ext uri="{FF2B5EF4-FFF2-40B4-BE49-F238E27FC236}">
+                  <a16:creationId xmlns:a16="http://schemas.microsoft.com/office/drawing/2014/main" id="{E9E86C9D-D606-4C10-90C4-95D3FB149147}"/>
+                </a:ext>
+              </a:extLst>
+            </p:cNvPr>
+            <p:cNvSpPr txBox="1"/>
+            <p:nvPr/>
+          </p:nvSpPr>
+          <p:spPr>
+            <a:xfrm>
+              <a:off x="8386306" y="2413267"/>
+              <a:ext cx="1050288" cy="369332"/>
+            </a:xfrm>
+            <a:prstGeom prst="rect">
+              <a:avLst/>
+            </a:prstGeom>
+            <a:noFill/>
+          </p:spPr>
+          <p:txBody>
+            <a:bodyPr wrap="none" rtlCol="0">
+              <a:spAutoFit/>
+            </a:bodyPr>
+            <a:lstStyle/>
+            <a:p>
+              <a:r>
+                <a:rPr lang="en-US" altLang="zh-CN" dirty="0"/>
+                <a:t>Classifier</a:t>
+              </a:r>
+              <a:endParaRPr lang="zh-CN" altLang="en-US" dirty="0"/>
+            </a:p>
+          </p:txBody>
+        </p:sp>
+      </p:grpSp>
+      <p:sp>
+        <p:nvSpPr>
+          <p:cNvPr id="63" name="矩形 62">
+            <a:extLst>
+              <a:ext uri="{FF2B5EF4-FFF2-40B4-BE49-F238E27FC236}">
+                <a16:creationId xmlns:a16="http://schemas.microsoft.com/office/drawing/2014/main" id="{A4941DB1-D95B-4F2C-969E-D2A961C8093B}"/>
+              </a:ext>
+            </a:extLst>
+          </p:cNvPr>
+          <p:cNvSpPr/>
+          <p:nvPr/>
+        </p:nvSpPr>
+        <p:spPr>
+          <a:xfrm>
+            <a:off x="4025246" y="2737315"/>
+            <a:ext cx="3938990" cy="2556709"/>
+          </a:xfrm>
+          <a:prstGeom prst="rect">
+            <a:avLst/>
+          </a:prstGeom>
+          <a:noFill/>
+          <a:ln w="38100"/>
+        </p:spPr>
+        <p:style>
+          <a:lnRef idx="2">
+            <a:schemeClr val="dk1"/>
+          </a:lnRef>
+          <a:fillRef idx="1">
+            <a:schemeClr val="lt1"/>
+          </a:fillRef>
+          <a:effectRef idx="0">
+            <a:schemeClr val="dk1"/>
+          </a:effectRef>
+          <a:fontRef idx="minor">
+            <a:schemeClr val="dk1"/>
+          </a:fontRef>
+        </p:style>
+        <p:txBody>
+          <a:bodyPr rtlCol="0" anchor="ctr"/>
+          <a:lstStyle/>
+          <a:p>
+            <a:pPr algn="ctr"/>
+            <a:endParaRPr lang="zh-CN" altLang="en-US"/>
+          </a:p>
+        </p:txBody>
+      </p:sp>
+      <p:sp>
+        <p:nvSpPr>
+          <p:cNvPr id="64" name="文本框 63">
+            <a:extLst>
+              <a:ext uri="{FF2B5EF4-FFF2-40B4-BE49-F238E27FC236}">
+                <a16:creationId xmlns:a16="http://schemas.microsoft.com/office/drawing/2014/main" id="{51B1C2C1-1DB3-46AA-BD5E-583354D7145D}"/>
+              </a:ext>
+            </a:extLst>
+          </p:cNvPr>
+          <p:cNvSpPr txBox="1"/>
+          <p:nvPr/>
+        </p:nvSpPr>
+        <p:spPr>
+          <a:xfrm>
+            <a:off x="4016229" y="3353594"/>
+            <a:ext cx="1107996" cy="646331"/>
+          </a:xfrm>
+          <a:prstGeom prst="rect">
+            <a:avLst/>
+          </a:prstGeom>
+          <a:noFill/>
+        </p:spPr>
+        <p:txBody>
+          <a:bodyPr wrap="none" rtlCol="0">
+            <a:spAutoFit/>
+          </a:bodyPr>
+          <a:lstStyle/>
+          <a:p>
+            <a:r>
+              <a:rPr lang="zh-CN" altLang="en-US" b="1" dirty="0"/>
+              <a:t>数据中心</a:t>
+            </a:r>
+            <a:endParaRPr lang="en-US" altLang="zh-CN" b="1" dirty="0"/>
+          </a:p>
+          <a:p>
+            <a:r>
+              <a:rPr lang="zh-CN" altLang="en-US" b="1" dirty="0"/>
+              <a:t>    网络</a:t>
+            </a:r>
           </a:p>
         </p:txBody>
       </p:sp>
     </p:spTree>
     <p:extLst>
       <p:ext uri="{BB962C8B-B14F-4D97-AF65-F5344CB8AC3E}">
-        <p14:creationId xmlns:p14="http://schemas.microsoft.com/office/powerpoint/2010/main" val="3340548415"/>
+        <p14:creationId xmlns:p14="http://schemas.microsoft.com/office/powerpoint/2010/main" val="712390564"/>
       </p:ext>
     </p:extLst>
   </p:cSld>
@@ -4085,7 +5750,7 @@
           <p:cNvPr id="2" name="标题 1">
             <a:extLst>
               <a:ext uri="{FF2B5EF4-FFF2-40B4-BE49-F238E27FC236}">
-                <a16:creationId xmlns:a16="http://schemas.microsoft.com/office/drawing/2014/main" id="{74934226-C3CE-48A1-AD39-5BF2556CCD07}"/>
+                <a16:creationId xmlns:a16="http://schemas.microsoft.com/office/drawing/2014/main" id="{31FBD603-519E-40EF-B7E5-3547B356A69D}"/>
               </a:ext>
             </a:extLst>
           </p:cNvPr>
@@ -4102,9 +5767,10 @@
           <a:lstStyle/>
           <a:p>
             <a:r>
-              <a:rPr lang="zh-CN" altLang="en-US" dirty="0"/>
-              <a:t>列表信息</a:t>
-            </a:r>
+              <a:rPr lang="en-US" altLang="zh-CN" dirty="0"/>
+              <a:t>Terminology</a:t>
+            </a:r>
+            <a:endParaRPr lang="zh-CN" altLang="en-US" dirty="0"/>
           </a:p>
         </p:txBody>
       </p:sp>
@@ -4113,7 +5779,7 @@
           <p:cNvPr id="3" name="内容占位符 2">
             <a:extLst>
               <a:ext uri="{FF2B5EF4-FFF2-40B4-BE49-F238E27FC236}">
-                <a16:creationId xmlns:a16="http://schemas.microsoft.com/office/drawing/2014/main" id="{B43CEC46-03C8-4F9C-96BB-BAB0DEBF12E6}"/>
+                <a16:creationId xmlns:a16="http://schemas.microsoft.com/office/drawing/2014/main" id="{A1DF4D5A-4770-4DB2-9B0B-2EABB47F4470}"/>
               </a:ext>
             </a:extLst>
           </p:cNvPr>
@@ -4127,12 +5793,1006 @@
         <p:spPr/>
         <p:txBody>
           <a:bodyPr>
-            <a:normAutofit fontScale="85000" lnSpcReduction="20000"/>
+            <a:normAutofit/>
           </a:bodyPr>
           <a:lstStyle/>
           <a:p>
             <a:r>
               <a:rPr lang="zh-CN" altLang="en-US" dirty="0"/>
+              <a:t>租户</a:t>
+            </a:r>
+            <a:endParaRPr lang="en-US" altLang="zh-CN" dirty="0"/>
+          </a:p>
+          <a:p>
+            <a:pPr lvl="1"/>
+            <a:r>
+              <a:rPr lang="zh-CN" altLang="en-US" dirty="0"/>
+              <a:t>指使用我们云平台的租户</a:t>
+            </a:r>
+            <a:endParaRPr lang="en-US" altLang="zh-CN" dirty="0"/>
+          </a:p>
+          <a:p>
+            <a:pPr lvl="1"/>
+            <a:r>
+              <a:rPr lang="zh-CN" altLang="en-US" dirty="0"/>
+              <a:t>他们有购买</a:t>
+            </a:r>
+            <a:r>
+              <a:rPr lang="en-US" altLang="zh-CN" dirty="0"/>
+              <a:t>SFC</a:t>
+            </a:r>
+            <a:r>
+              <a:rPr lang="zh-CN" altLang="en-US" dirty="0"/>
+              <a:t>的需求</a:t>
+            </a:r>
+            <a:endParaRPr lang="en-US" altLang="zh-CN" dirty="0"/>
+          </a:p>
+          <a:p>
+            <a:r>
+              <a:rPr lang="en-US" altLang="zh-CN" dirty="0"/>
+              <a:t>Network Function(NF)</a:t>
+            </a:r>
+            <a:r>
+              <a:rPr lang="zh-CN" altLang="en-US" dirty="0"/>
+              <a:t>网络功能</a:t>
+            </a:r>
+            <a:endParaRPr lang="en-US" altLang="zh-CN" dirty="0"/>
+          </a:p>
+          <a:p>
+            <a:pPr lvl="1"/>
+            <a:r>
+              <a:rPr lang="zh-CN" altLang="en-US" dirty="0"/>
+              <a:t>网络功能是指网络中提供包处理能力的机器，比如</a:t>
+            </a:r>
+            <a:r>
+              <a:rPr lang="en-US" altLang="zh-CN" dirty="0"/>
+              <a:t>VPN</a:t>
+            </a:r>
+            <a:r>
+              <a:rPr lang="zh-CN" altLang="en-US" dirty="0"/>
+              <a:t>，防火墙等等</a:t>
+            </a:r>
+            <a:endParaRPr lang="en-US" altLang="zh-CN" dirty="0"/>
+          </a:p>
+          <a:p>
+            <a:r>
+              <a:rPr lang="en-US" altLang="zh-CN" dirty="0"/>
+              <a:t>Virtual Network Function(VNF)</a:t>
+            </a:r>
+            <a:r>
+              <a:rPr lang="zh-CN" altLang="en-US" dirty="0"/>
+              <a:t>虚拟网络功能</a:t>
+            </a:r>
+            <a:endParaRPr lang="en-US" altLang="zh-CN" dirty="0"/>
+          </a:p>
+          <a:p>
+            <a:pPr lvl="1"/>
+            <a:r>
+              <a:rPr lang="zh-CN" altLang="en-US" dirty="0"/>
+              <a:t>运行在虚拟机</a:t>
+            </a:r>
+            <a:r>
+              <a:rPr lang="en-US" altLang="zh-CN" dirty="0"/>
+              <a:t>/</a:t>
+            </a:r>
+            <a:r>
+              <a:rPr lang="zh-CN" altLang="en-US" dirty="0"/>
+              <a:t>容器中的软件网络功能</a:t>
+            </a:r>
+            <a:endParaRPr lang="en-US" altLang="zh-CN" dirty="0"/>
+          </a:p>
+          <a:p>
+            <a:r>
+              <a:rPr lang="en-US" altLang="zh-CN" dirty="0"/>
+              <a:t>Service Function Chain(SFC)</a:t>
+            </a:r>
+          </a:p>
+          <a:p>
+            <a:pPr lvl="1"/>
+            <a:r>
+              <a:rPr lang="zh-CN" altLang="en-US" dirty="0"/>
+              <a:t>由多个</a:t>
+            </a:r>
+            <a:r>
+              <a:rPr lang="en-US" altLang="zh-CN" dirty="0"/>
+              <a:t>VNF</a:t>
+            </a:r>
+            <a:r>
+              <a:rPr lang="zh-CN" altLang="en-US" dirty="0"/>
+              <a:t>串联起来的链，比如</a:t>
+            </a:r>
+            <a:r>
+              <a:rPr lang="en-US" altLang="zh-CN" dirty="0"/>
+              <a:t>VPN-&gt;</a:t>
+            </a:r>
+            <a:r>
+              <a:rPr lang="zh-CN" altLang="en-US" dirty="0"/>
+              <a:t>防火墙</a:t>
+            </a:r>
+            <a:endParaRPr lang="en-US" altLang="zh-CN" dirty="0"/>
+          </a:p>
+        </p:txBody>
+      </p:sp>
+    </p:spTree>
+    <p:extLst>
+      <p:ext uri="{BB962C8B-B14F-4D97-AF65-F5344CB8AC3E}">
+        <p14:creationId xmlns:p14="http://schemas.microsoft.com/office/powerpoint/2010/main" val="304343951"/>
+      </p:ext>
+    </p:extLst>
+  </p:cSld>
+  <p:clrMapOvr>
+    <a:masterClrMapping/>
+  </p:clrMapOvr>
+</p:sld>
+</file>
+
+<file path=ppt/slides/slide4.xml><?xml version="1.0" encoding="utf-8"?>
+<p:sld xmlns:a="http://schemas.openxmlformats.org/drawingml/2006/main" xmlns:r="http://schemas.openxmlformats.org/officeDocument/2006/relationships" xmlns:p="http://schemas.openxmlformats.org/presentationml/2006/main">
+  <p:cSld>
+    <p:spTree>
+      <p:nvGrpSpPr>
+        <p:cNvPr id="1" name=""/>
+        <p:cNvGrpSpPr/>
+        <p:nvPr/>
+      </p:nvGrpSpPr>
+      <p:grpSpPr>
+        <a:xfrm>
+          <a:off x="0" y="0"/>
+          <a:ext cx="0" cy="0"/>
+          <a:chOff x="0" y="0"/>
+          <a:chExt cx="0" cy="0"/>
+        </a:xfrm>
+      </p:grpSpPr>
+      <p:sp>
+        <p:nvSpPr>
+          <p:cNvPr id="2" name="标题 1">
+            <a:extLst>
+              <a:ext uri="{FF2B5EF4-FFF2-40B4-BE49-F238E27FC236}">
+                <a16:creationId xmlns:a16="http://schemas.microsoft.com/office/drawing/2014/main" id="{31FBD603-519E-40EF-B7E5-3547B356A69D}"/>
+              </a:ext>
+            </a:extLst>
+          </p:cNvPr>
+          <p:cNvSpPr>
+            <a:spLocks noGrp="1"/>
+          </p:cNvSpPr>
+          <p:nvPr>
+            <p:ph type="title"/>
+          </p:nvPr>
+        </p:nvSpPr>
+        <p:spPr/>
+        <p:txBody>
+          <a:bodyPr/>
+          <a:lstStyle/>
+          <a:p>
+            <a:r>
+              <a:rPr lang="en-US" altLang="zh-CN" dirty="0"/>
+              <a:t>Terminology</a:t>
+            </a:r>
+            <a:endParaRPr lang="zh-CN" altLang="en-US" dirty="0"/>
+          </a:p>
+        </p:txBody>
+      </p:sp>
+      <p:sp>
+        <p:nvSpPr>
+          <p:cNvPr id="3" name="内容占位符 2">
+            <a:extLst>
+              <a:ext uri="{FF2B5EF4-FFF2-40B4-BE49-F238E27FC236}">
+                <a16:creationId xmlns:a16="http://schemas.microsoft.com/office/drawing/2014/main" id="{A1DF4D5A-4770-4DB2-9B0B-2EABB47F4470}"/>
+              </a:ext>
+            </a:extLst>
+          </p:cNvPr>
+          <p:cNvSpPr>
+            <a:spLocks noGrp="1"/>
+          </p:cNvSpPr>
+          <p:nvPr>
+            <p:ph idx="1"/>
+          </p:nvPr>
+        </p:nvSpPr>
+        <p:spPr/>
+        <p:txBody>
+          <a:bodyPr>
+            <a:normAutofit/>
+          </a:bodyPr>
+          <a:lstStyle/>
+          <a:p>
+            <a:r>
+              <a:rPr lang="zh-CN" altLang="en-US" dirty="0"/>
+              <a:t>租户</a:t>
+            </a:r>
+            <a:r>
+              <a:rPr lang="en-US" altLang="zh-CN" dirty="0"/>
+              <a:t>SFC</a:t>
+            </a:r>
+            <a:r>
+              <a:rPr lang="zh-CN" altLang="en-US" dirty="0"/>
+              <a:t>请求</a:t>
+            </a:r>
+            <a:endParaRPr lang="en-US" altLang="zh-CN" dirty="0"/>
+          </a:p>
+          <a:p>
+            <a:pPr lvl="1"/>
+            <a:r>
+              <a:rPr lang="en-US" altLang="zh-CN" dirty="0"/>
+              <a:t>SFC</a:t>
+            </a:r>
+            <a:r>
+              <a:rPr lang="zh-CN" altLang="en-US" dirty="0"/>
+              <a:t>请求包括</a:t>
+            </a:r>
+            <a:endParaRPr lang="en-US" altLang="zh-CN" dirty="0"/>
+          </a:p>
+          <a:p>
+            <a:pPr lvl="2"/>
+            <a:r>
+              <a:rPr lang="en-US" altLang="zh-CN" dirty="0"/>
+              <a:t>SFC</a:t>
+            </a:r>
+          </a:p>
+          <a:p>
+            <a:pPr lvl="3"/>
+            <a:r>
+              <a:rPr lang="zh-CN" altLang="en-US" dirty="0"/>
+              <a:t>需要哪些</a:t>
+            </a:r>
+            <a:r>
+              <a:rPr lang="en-US" altLang="zh-CN" dirty="0"/>
+              <a:t>VNF</a:t>
+            </a:r>
+          </a:p>
+          <a:p>
+            <a:pPr lvl="3"/>
+            <a:r>
+              <a:rPr lang="zh-CN" altLang="en-US" dirty="0"/>
+              <a:t>这些</a:t>
+            </a:r>
+            <a:r>
+              <a:rPr lang="en-US" altLang="zh-CN" dirty="0"/>
+              <a:t>VNF</a:t>
+            </a:r>
+            <a:r>
+              <a:rPr lang="zh-CN" altLang="en-US" dirty="0"/>
+              <a:t>的连接顺序</a:t>
+            </a:r>
+            <a:endParaRPr lang="en-US" altLang="zh-CN" dirty="0"/>
+          </a:p>
+          <a:p>
+            <a:pPr lvl="2"/>
+            <a:r>
+              <a:rPr lang="zh-CN" altLang="en-US" dirty="0"/>
+              <a:t>业务模态</a:t>
+            </a:r>
+            <a:endParaRPr lang="en-US" altLang="zh-CN" dirty="0"/>
+          </a:p>
+          <a:p>
+            <a:pPr lvl="3"/>
+            <a:r>
+              <a:rPr lang="en-US" altLang="zh-CN" dirty="0"/>
+              <a:t>SLA</a:t>
+            </a:r>
+            <a:r>
+              <a:rPr lang="zh-CN" altLang="en-US" dirty="0"/>
+              <a:t>：</a:t>
+            </a:r>
+            <a:r>
+              <a:rPr lang="en-US" altLang="zh-CN" dirty="0"/>
+              <a:t>SFC</a:t>
+            </a:r>
+            <a:r>
+              <a:rPr lang="zh-CN" altLang="en-US" dirty="0"/>
+              <a:t>的吞吐量、时延、可用度要求</a:t>
+            </a:r>
+            <a:endParaRPr lang="en-US" altLang="zh-CN" dirty="0"/>
+          </a:p>
+          <a:p>
+            <a:pPr lvl="2"/>
+            <a:r>
+              <a:rPr lang="zh-CN" altLang="en-US" dirty="0"/>
+              <a:t>路由模态：</a:t>
+            </a:r>
+            <a:r>
+              <a:rPr lang="en-US" altLang="zh-CN" dirty="0"/>
+              <a:t>IPv4</a:t>
+            </a:r>
+            <a:r>
+              <a:rPr lang="zh-CN" altLang="en-US" dirty="0"/>
+              <a:t>、</a:t>
+            </a:r>
+            <a:r>
+              <a:rPr lang="en-US" altLang="zh-CN" dirty="0"/>
+              <a:t>IPv6</a:t>
+            </a:r>
+            <a:r>
+              <a:rPr lang="zh-CN" altLang="en-US" dirty="0"/>
+              <a:t>、</a:t>
+            </a:r>
+            <a:r>
+              <a:rPr lang="en-US" altLang="zh-CN" dirty="0"/>
+              <a:t>NDN</a:t>
+            </a:r>
+            <a:r>
+              <a:rPr lang="zh-CN" altLang="en-US" dirty="0"/>
+              <a:t>、自定义</a:t>
+            </a:r>
+            <a:endParaRPr lang="en-US" altLang="zh-CN" dirty="0"/>
+          </a:p>
+          <a:p>
+            <a:pPr lvl="2"/>
+            <a:r>
+              <a:rPr lang="zh-CN" altLang="en-US" dirty="0"/>
+              <a:t>设备模态：每个</a:t>
+            </a:r>
+            <a:r>
+              <a:rPr lang="en-US" altLang="zh-CN" dirty="0"/>
+              <a:t>VNF</a:t>
+            </a:r>
+            <a:r>
+              <a:rPr lang="zh-CN" altLang="en-US" dirty="0"/>
+              <a:t>需要部署在哪种设备上</a:t>
+            </a:r>
+          </a:p>
+        </p:txBody>
+      </p:sp>
+    </p:spTree>
+    <p:extLst>
+      <p:ext uri="{BB962C8B-B14F-4D97-AF65-F5344CB8AC3E}">
+        <p14:creationId xmlns:p14="http://schemas.microsoft.com/office/powerpoint/2010/main" val="2710809641"/>
+      </p:ext>
+    </p:extLst>
+  </p:cSld>
+  <p:clrMapOvr>
+    <a:masterClrMapping/>
+  </p:clrMapOvr>
+</p:sld>
+</file>
+
+<file path=ppt/slides/slide5.xml><?xml version="1.0" encoding="utf-8"?>
+<p:sld xmlns:a="http://schemas.openxmlformats.org/drawingml/2006/main" xmlns:r="http://schemas.openxmlformats.org/officeDocument/2006/relationships" xmlns:p="http://schemas.openxmlformats.org/presentationml/2006/main">
+  <p:cSld>
+    <p:spTree>
+      <p:nvGrpSpPr>
+        <p:cNvPr id="1" name=""/>
+        <p:cNvGrpSpPr/>
+        <p:nvPr/>
+      </p:nvGrpSpPr>
+      <p:grpSpPr>
+        <a:xfrm>
+          <a:off x="0" y="0"/>
+          <a:ext cx="0" cy="0"/>
+          <a:chOff x="0" y="0"/>
+          <a:chExt cx="0" cy="0"/>
+        </a:xfrm>
+      </p:grpSpPr>
+      <p:sp>
+        <p:nvSpPr>
+          <p:cNvPr id="2" name="标题 1">
+            <a:extLst>
+              <a:ext uri="{FF2B5EF4-FFF2-40B4-BE49-F238E27FC236}">
+                <a16:creationId xmlns:a16="http://schemas.microsoft.com/office/drawing/2014/main" id="{31FBD603-519E-40EF-B7E5-3547B356A69D}"/>
+              </a:ext>
+            </a:extLst>
+          </p:cNvPr>
+          <p:cNvSpPr>
+            <a:spLocks noGrp="1"/>
+          </p:cNvSpPr>
+          <p:nvPr>
+            <p:ph type="title"/>
+          </p:nvPr>
+        </p:nvSpPr>
+        <p:spPr/>
+        <p:txBody>
+          <a:bodyPr/>
+          <a:lstStyle/>
+          <a:p>
+            <a:r>
+              <a:rPr lang="en-US" altLang="zh-CN" dirty="0"/>
+              <a:t>Terminology</a:t>
+            </a:r>
+            <a:endParaRPr lang="zh-CN" altLang="en-US" dirty="0"/>
+          </a:p>
+        </p:txBody>
+      </p:sp>
+      <p:sp>
+        <p:nvSpPr>
+          <p:cNvPr id="3" name="内容占位符 2">
+            <a:extLst>
+              <a:ext uri="{FF2B5EF4-FFF2-40B4-BE49-F238E27FC236}">
+                <a16:creationId xmlns:a16="http://schemas.microsoft.com/office/drawing/2014/main" id="{A1DF4D5A-4770-4DB2-9B0B-2EABB47F4470}"/>
+              </a:ext>
+            </a:extLst>
+          </p:cNvPr>
+          <p:cNvSpPr>
+            <a:spLocks noGrp="1"/>
+          </p:cNvSpPr>
+          <p:nvPr>
+            <p:ph idx="1"/>
+          </p:nvPr>
+        </p:nvSpPr>
+        <p:spPr/>
+        <p:txBody>
+          <a:bodyPr>
+            <a:normAutofit/>
+          </a:bodyPr>
+          <a:lstStyle/>
+          <a:p>
+            <a:r>
+              <a:rPr lang="zh-CN" altLang="en-US" dirty="0"/>
+              <a:t>弹性功能编排</a:t>
+            </a:r>
+            <a:endParaRPr lang="en-US" altLang="zh-CN" dirty="0"/>
+          </a:p>
+          <a:p>
+            <a:pPr lvl="1"/>
+            <a:r>
+              <a:rPr lang="zh-CN" altLang="en-US" dirty="0"/>
+              <a:t>根据用户的</a:t>
+            </a:r>
+            <a:r>
+              <a:rPr lang="en-US" altLang="zh-CN" dirty="0"/>
+              <a:t>SFC</a:t>
+            </a:r>
+            <a:r>
+              <a:rPr lang="zh-CN" altLang="en-US" dirty="0"/>
+              <a:t>请求，决策</a:t>
+            </a:r>
+            <a:endParaRPr lang="en-US" altLang="zh-CN" dirty="0"/>
+          </a:p>
+          <a:p>
+            <a:pPr lvl="2"/>
+            <a:r>
+              <a:rPr lang="zh-CN" altLang="en-US" dirty="0"/>
+              <a:t>每个</a:t>
+            </a:r>
+            <a:r>
+              <a:rPr lang="en-US" altLang="zh-CN" dirty="0"/>
+              <a:t>VNF</a:t>
+            </a:r>
+            <a:r>
+              <a:rPr lang="zh-CN" altLang="en-US" dirty="0"/>
+              <a:t>部署在网络中的哪一个计算节点</a:t>
+            </a:r>
+            <a:endParaRPr lang="en-US" altLang="zh-CN" dirty="0"/>
+          </a:p>
+          <a:p>
+            <a:pPr lvl="2"/>
+            <a:r>
+              <a:rPr lang="zh-CN" altLang="en-US" dirty="0"/>
+              <a:t>用户的流量从</a:t>
+            </a:r>
+            <a:r>
+              <a:rPr lang="en-US" altLang="zh-CN" dirty="0"/>
+              <a:t>DCN</a:t>
+            </a:r>
+            <a:r>
+              <a:rPr lang="zh-CN" altLang="en-US" dirty="0"/>
+              <a:t>网关进入数据中心后，转发到第一个</a:t>
+            </a:r>
+            <a:r>
+              <a:rPr lang="en-US" altLang="zh-CN" dirty="0"/>
+              <a:t>VNF</a:t>
+            </a:r>
+            <a:r>
+              <a:rPr lang="zh-CN" altLang="en-US" dirty="0"/>
+              <a:t>的路径</a:t>
+            </a:r>
+            <a:endParaRPr lang="en-US" altLang="zh-CN" dirty="0"/>
+          </a:p>
+          <a:p>
+            <a:pPr lvl="2"/>
+            <a:r>
+              <a:rPr lang="zh-CN" altLang="en-US" dirty="0"/>
+              <a:t>每个</a:t>
+            </a:r>
+            <a:r>
+              <a:rPr lang="en-US" altLang="zh-CN" dirty="0"/>
+              <a:t>VNF</a:t>
+            </a:r>
+            <a:r>
+              <a:rPr lang="zh-CN" altLang="en-US" dirty="0"/>
+              <a:t>之间的转发路径</a:t>
+            </a:r>
+            <a:endParaRPr lang="en-US" altLang="zh-CN" dirty="0"/>
+          </a:p>
+          <a:p>
+            <a:pPr lvl="2"/>
+            <a:r>
+              <a:rPr lang="zh-CN" altLang="en-US" dirty="0"/>
+              <a:t>最后一个</a:t>
+            </a:r>
+            <a:r>
+              <a:rPr lang="en-US" altLang="zh-CN" dirty="0"/>
+              <a:t>VNF</a:t>
+            </a:r>
+            <a:r>
+              <a:rPr lang="zh-CN" altLang="en-US" dirty="0"/>
+              <a:t>转发的流量，转发回</a:t>
+            </a:r>
+            <a:r>
+              <a:rPr lang="en-US" altLang="zh-CN" dirty="0"/>
+              <a:t>DCN</a:t>
+            </a:r>
+            <a:r>
+              <a:rPr lang="zh-CN" altLang="en-US" dirty="0"/>
+              <a:t>网关的路径</a:t>
+            </a:r>
+          </a:p>
+        </p:txBody>
+      </p:sp>
+    </p:spTree>
+    <p:extLst>
+      <p:ext uri="{BB962C8B-B14F-4D97-AF65-F5344CB8AC3E}">
+        <p14:creationId xmlns:p14="http://schemas.microsoft.com/office/powerpoint/2010/main" val="393112829"/>
+      </p:ext>
+    </p:extLst>
+  </p:cSld>
+  <p:clrMapOvr>
+    <a:masterClrMapping/>
+  </p:clrMapOvr>
+</p:sld>
+</file>
+
+<file path=ppt/slides/slide6.xml><?xml version="1.0" encoding="utf-8"?>
+<p:sld xmlns:a="http://schemas.openxmlformats.org/drawingml/2006/main" xmlns:r="http://schemas.openxmlformats.org/officeDocument/2006/relationships" xmlns:p="http://schemas.openxmlformats.org/presentationml/2006/main">
+  <p:cSld>
+    <p:spTree>
+      <p:nvGrpSpPr>
+        <p:cNvPr id="1" name=""/>
+        <p:cNvGrpSpPr/>
+        <p:nvPr/>
+      </p:nvGrpSpPr>
+      <p:grpSpPr>
+        <a:xfrm>
+          <a:off x="0" y="0"/>
+          <a:ext cx="0" cy="0"/>
+          <a:chOff x="0" y="0"/>
+          <a:chExt cx="0" cy="0"/>
+        </a:xfrm>
+      </p:grpSpPr>
+      <p:sp>
+        <p:nvSpPr>
+          <p:cNvPr id="2" name="标题 1">
+            <a:extLst>
+              <a:ext uri="{FF2B5EF4-FFF2-40B4-BE49-F238E27FC236}">
+                <a16:creationId xmlns:a16="http://schemas.microsoft.com/office/drawing/2014/main" id="{66774BB1-4CF0-4A72-AC80-6D3E86254911}"/>
+              </a:ext>
+            </a:extLst>
+          </p:cNvPr>
+          <p:cNvSpPr>
+            <a:spLocks noGrp="1"/>
+          </p:cNvSpPr>
+          <p:nvPr>
+            <p:ph type="ctrTitle"/>
+          </p:nvPr>
+        </p:nvSpPr>
+        <p:spPr/>
+        <p:txBody>
+          <a:bodyPr/>
+          <a:lstStyle/>
+          <a:p>
+            <a:r>
+              <a:rPr lang="en-US" altLang="zh-CN" dirty="0"/>
+              <a:t>Dashboard Requirements</a:t>
+            </a:r>
+            <a:endParaRPr lang="zh-CN" altLang="en-US" dirty="0"/>
+          </a:p>
+        </p:txBody>
+      </p:sp>
+      <p:sp>
+        <p:nvSpPr>
+          <p:cNvPr id="3" name="副标题 2">
+            <a:extLst>
+              <a:ext uri="{FF2B5EF4-FFF2-40B4-BE49-F238E27FC236}">
+                <a16:creationId xmlns:a16="http://schemas.microsoft.com/office/drawing/2014/main" id="{AFC0D9E0-425B-4B09-8587-89C9E47E913A}"/>
+              </a:ext>
+            </a:extLst>
+          </p:cNvPr>
+          <p:cNvSpPr>
+            <a:spLocks noGrp="1"/>
+          </p:cNvSpPr>
+          <p:nvPr>
+            <p:ph type="subTitle" idx="1"/>
+          </p:nvPr>
+        </p:nvSpPr>
+        <p:spPr/>
+        <p:txBody>
+          <a:bodyPr/>
+          <a:lstStyle/>
+          <a:p>
+            <a:endParaRPr lang="zh-CN" altLang="en-US"/>
+          </a:p>
+        </p:txBody>
+      </p:sp>
+    </p:spTree>
+    <p:extLst>
+      <p:ext uri="{BB962C8B-B14F-4D97-AF65-F5344CB8AC3E}">
+        <p14:creationId xmlns:p14="http://schemas.microsoft.com/office/powerpoint/2010/main" val="2934895449"/>
+      </p:ext>
+    </p:extLst>
+  </p:cSld>
+  <p:clrMapOvr>
+    <a:masterClrMapping/>
+  </p:clrMapOvr>
+</p:sld>
+</file>
+
+<file path=ppt/slides/slide7.xml><?xml version="1.0" encoding="utf-8"?>
+<p:sld xmlns:a="http://schemas.openxmlformats.org/drawingml/2006/main" xmlns:r="http://schemas.openxmlformats.org/officeDocument/2006/relationships" xmlns:p="http://schemas.openxmlformats.org/presentationml/2006/main">
+  <p:cSld>
+    <p:spTree>
+      <p:nvGrpSpPr>
+        <p:cNvPr id="1" name=""/>
+        <p:cNvGrpSpPr/>
+        <p:nvPr/>
+      </p:nvGrpSpPr>
+      <p:grpSpPr>
+        <a:xfrm>
+          <a:off x="0" y="0"/>
+          <a:ext cx="0" cy="0"/>
+          <a:chOff x="0" y="0"/>
+          <a:chExt cx="0" cy="0"/>
+        </a:xfrm>
+      </p:grpSpPr>
+      <p:sp>
+        <p:nvSpPr>
+          <p:cNvPr id="2" name="标题 1">
+            <a:extLst>
+              <a:ext uri="{FF2B5EF4-FFF2-40B4-BE49-F238E27FC236}">
+                <a16:creationId xmlns:a16="http://schemas.microsoft.com/office/drawing/2014/main" id="{0B3E2F81-61D4-4E09-A985-20857CB99E72}"/>
+              </a:ext>
+            </a:extLst>
+          </p:cNvPr>
+          <p:cNvSpPr>
+            <a:spLocks noGrp="1"/>
+          </p:cNvSpPr>
+          <p:nvPr>
+            <p:ph type="title"/>
+          </p:nvPr>
+        </p:nvSpPr>
+        <p:spPr/>
+        <p:txBody>
+          <a:bodyPr/>
+          <a:lstStyle/>
+          <a:p>
+            <a:r>
+              <a:rPr lang="zh-CN" altLang="en-US" dirty="0"/>
+              <a:t>需求</a:t>
+            </a:r>
+          </a:p>
+        </p:txBody>
+      </p:sp>
+      <p:sp>
+        <p:nvSpPr>
+          <p:cNvPr id="3" name="内容占位符 2">
+            <a:extLst>
+              <a:ext uri="{FF2B5EF4-FFF2-40B4-BE49-F238E27FC236}">
+                <a16:creationId xmlns:a16="http://schemas.microsoft.com/office/drawing/2014/main" id="{4ACD6E95-8715-4831-9222-7D6EC13020DB}"/>
+              </a:ext>
+            </a:extLst>
+          </p:cNvPr>
+          <p:cNvSpPr>
+            <a:spLocks noGrp="1"/>
+          </p:cNvSpPr>
+          <p:nvPr>
+            <p:ph idx="1"/>
+          </p:nvPr>
+        </p:nvSpPr>
+        <p:spPr>
+          <a:xfrm>
+            <a:off x="838200" y="1825624"/>
+            <a:ext cx="10515600" cy="4890861"/>
+          </a:xfrm>
+        </p:spPr>
+        <p:txBody>
+          <a:bodyPr>
+            <a:normAutofit fontScale="92500" lnSpcReduction="20000"/>
+          </a:bodyPr>
+          <a:lstStyle/>
+          <a:p>
+            <a:r>
+              <a:rPr lang="zh-CN" altLang="en-US" dirty="0"/>
+              <a:t>查看服务器、交换机、</a:t>
+            </a:r>
+            <a:r>
+              <a:rPr lang="en-US" altLang="zh-CN" dirty="0"/>
+              <a:t>SFC</a:t>
+            </a:r>
+            <a:r>
+              <a:rPr lang="zh-CN" altLang="en-US" dirty="0"/>
+              <a:t>、</a:t>
+            </a:r>
+            <a:r>
+              <a:rPr lang="en-US" altLang="zh-CN" dirty="0"/>
+              <a:t>SFCI</a:t>
+            </a:r>
+            <a:r>
+              <a:rPr lang="zh-CN" altLang="en-US" dirty="0"/>
+              <a:t>、</a:t>
+            </a:r>
+            <a:r>
+              <a:rPr lang="en-US" altLang="zh-CN" dirty="0"/>
+              <a:t>VNFI</a:t>
+            </a:r>
+            <a:r>
+              <a:rPr lang="zh-CN" altLang="en-US" dirty="0"/>
+              <a:t>列表</a:t>
+            </a:r>
+            <a:endParaRPr lang="en-US" altLang="zh-CN" dirty="0"/>
+          </a:p>
+          <a:p>
+            <a:r>
+              <a:rPr lang="zh-CN" altLang="en-US" dirty="0"/>
+              <a:t>添加路由模态</a:t>
+            </a:r>
+            <a:endParaRPr lang="en-US" altLang="zh-CN" dirty="0"/>
+          </a:p>
+          <a:p>
+            <a:r>
+              <a:rPr lang="zh-CN" altLang="en-US" dirty="0"/>
+              <a:t>添加</a:t>
+            </a:r>
+            <a:r>
+              <a:rPr lang="en-US" altLang="zh-CN" dirty="0"/>
+              <a:t>SFC</a:t>
+            </a:r>
+          </a:p>
+          <a:p>
+            <a:pPr lvl="1"/>
+            <a:r>
+              <a:rPr lang="zh-CN" altLang="en-US" dirty="0"/>
+              <a:t>选择业务类型</a:t>
+            </a:r>
+            <a:endParaRPr lang="en-US" altLang="zh-CN" dirty="0"/>
+          </a:p>
+          <a:p>
+            <a:pPr lvl="2"/>
+            <a:r>
+              <a:rPr lang="zh-CN" altLang="en-US" dirty="0"/>
+              <a:t>高带宽，低时延，高可用，尽力而为</a:t>
+            </a:r>
+            <a:endParaRPr lang="en-US" altLang="zh-CN" dirty="0"/>
+          </a:p>
+          <a:p>
+            <a:pPr lvl="1"/>
+            <a:r>
+              <a:rPr lang="zh-CN" altLang="en-US" dirty="0"/>
+              <a:t>添加</a:t>
+            </a:r>
+            <a:r>
+              <a:rPr lang="en-US" altLang="zh-CN" dirty="0"/>
+              <a:t>SFC</a:t>
+            </a:r>
+          </a:p>
+          <a:p>
+            <a:pPr lvl="2"/>
+            <a:r>
+              <a:rPr lang="en-US" altLang="zh-CN" dirty="0"/>
+              <a:t>VNF</a:t>
+            </a:r>
+            <a:r>
+              <a:rPr lang="zh-CN" altLang="en-US" dirty="0"/>
+              <a:t>顺序</a:t>
+            </a:r>
+            <a:endParaRPr lang="en-US" altLang="zh-CN" dirty="0"/>
+          </a:p>
+          <a:p>
+            <a:pPr lvl="2"/>
+            <a:r>
+              <a:rPr lang="zh-CN" altLang="en-US" dirty="0"/>
+              <a:t>扩缩容模式</a:t>
+            </a:r>
+            <a:endParaRPr lang="en-US" altLang="zh-CN" dirty="0"/>
+          </a:p>
+          <a:p>
+            <a:pPr lvl="3"/>
+            <a:r>
+              <a:rPr lang="zh-CN" altLang="en-US" dirty="0"/>
+              <a:t>自动，手动</a:t>
+            </a:r>
+            <a:endParaRPr lang="en-US" altLang="zh-CN" dirty="0"/>
+          </a:p>
+          <a:p>
+            <a:pPr lvl="2"/>
+            <a:r>
+              <a:rPr lang="zh-CN" altLang="en-US" dirty="0"/>
+              <a:t>选择路由模态</a:t>
+            </a:r>
+            <a:endParaRPr lang="en-US" altLang="zh-CN" dirty="0"/>
+          </a:p>
+          <a:p>
+            <a:pPr lvl="3"/>
+            <a:r>
+              <a:rPr lang="en-US" altLang="zh-CN" dirty="0"/>
+              <a:t>IPv4</a:t>
+            </a:r>
+            <a:r>
+              <a:rPr lang="zh-CN" altLang="en-US" dirty="0"/>
+              <a:t>，</a:t>
+            </a:r>
+            <a:r>
+              <a:rPr lang="en-US" altLang="zh-CN" dirty="0"/>
+              <a:t>IPv6</a:t>
+            </a:r>
+            <a:r>
+              <a:rPr lang="zh-CN" altLang="en-US" dirty="0"/>
+              <a:t>，</a:t>
+            </a:r>
+            <a:r>
+              <a:rPr lang="en-US" altLang="zh-CN" dirty="0"/>
+              <a:t>NDN</a:t>
+            </a:r>
+            <a:r>
+              <a:rPr lang="zh-CN" altLang="en-US" dirty="0"/>
+              <a:t>，自定义</a:t>
+            </a:r>
+            <a:r>
+              <a:rPr lang="en-US" altLang="zh-CN" dirty="0"/>
+              <a:t>1</a:t>
+            </a:r>
+            <a:r>
+              <a:rPr lang="zh-CN" altLang="en-US" dirty="0"/>
+              <a:t>，自定义</a:t>
+            </a:r>
+            <a:r>
+              <a:rPr lang="en-US" altLang="zh-CN" dirty="0"/>
+              <a:t>2</a:t>
+            </a:r>
+            <a:r>
+              <a:rPr lang="zh-CN" altLang="en-US" dirty="0"/>
+              <a:t>等等</a:t>
+            </a:r>
+            <a:endParaRPr lang="en-US" altLang="zh-CN" dirty="0"/>
+          </a:p>
+          <a:p>
+            <a:pPr lvl="2"/>
+            <a:r>
+              <a:rPr lang="zh-CN" altLang="en-US" dirty="0"/>
+              <a:t>选择</a:t>
+            </a:r>
+            <a:r>
+              <a:rPr lang="en-US" altLang="zh-CN" dirty="0"/>
+              <a:t>VNF</a:t>
+            </a:r>
+            <a:r>
+              <a:rPr lang="zh-CN" altLang="en-US" dirty="0"/>
+              <a:t>的设备模态</a:t>
+            </a:r>
+            <a:endParaRPr lang="en-US" altLang="zh-CN" dirty="0"/>
+          </a:p>
+          <a:p>
+            <a:pPr lvl="3"/>
+            <a:r>
+              <a:rPr lang="zh-CN" altLang="en-US" dirty="0"/>
+              <a:t>自动（由程序自动选择），</a:t>
+            </a:r>
+            <a:r>
+              <a:rPr lang="en-US" altLang="zh-CN" dirty="0"/>
+              <a:t>P4</a:t>
+            </a:r>
+            <a:r>
+              <a:rPr lang="zh-CN" altLang="en-US" dirty="0"/>
+              <a:t>，</a:t>
+            </a:r>
+            <a:r>
+              <a:rPr lang="en-US" altLang="zh-CN" dirty="0"/>
+              <a:t>x86</a:t>
+            </a:r>
+          </a:p>
+          <a:p>
+            <a:pPr lvl="2"/>
+            <a:r>
+              <a:rPr lang="zh-CN" altLang="en-US" dirty="0"/>
+              <a:t>添加</a:t>
+            </a:r>
+            <a:r>
+              <a:rPr lang="en-US" altLang="zh-CN" dirty="0"/>
+              <a:t>SFCI</a:t>
+            </a:r>
+          </a:p>
+          <a:p>
+            <a:pPr lvl="2"/>
+            <a:r>
+              <a:rPr lang="zh-CN" altLang="en-US" dirty="0"/>
+              <a:t>删除</a:t>
+            </a:r>
+            <a:r>
+              <a:rPr lang="en-US" altLang="zh-CN" dirty="0"/>
+              <a:t>SFCI</a:t>
+            </a:r>
+          </a:p>
+          <a:p>
+            <a:r>
+              <a:rPr lang="zh-CN" altLang="en-US" dirty="0"/>
+              <a:t>删除</a:t>
+            </a:r>
+            <a:r>
+              <a:rPr lang="en-US" altLang="zh-CN" dirty="0"/>
+              <a:t>SFC</a:t>
+            </a:r>
+          </a:p>
+        </p:txBody>
+      </p:sp>
+    </p:spTree>
+    <p:extLst>
+      <p:ext uri="{BB962C8B-B14F-4D97-AF65-F5344CB8AC3E}">
+        <p14:creationId xmlns:p14="http://schemas.microsoft.com/office/powerpoint/2010/main" val="3340548415"/>
+      </p:ext>
+    </p:extLst>
+  </p:cSld>
+  <p:clrMapOvr>
+    <a:masterClrMapping/>
+  </p:clrMapOvr>
+</p:sld>
+</file>
+
+<file path=ppt/slides/slide8.xml><?xml version="1.0" encoding="utf-8"?>
+<p:sld xmlns:a="http://schemas.openxmlformats.org/drawingml/2006/main" xmlns:r="http://schemas.openxmlformats.org/officeDocument/2006/relationships" xmlns:p="http://schemas.openxmlformats.org/presentationml/2006/main">
+  <p:cSld>
+    <p:spTree>
+      <p:nvGrpSpPr>
+        <p:cNvPr id="1" name=""/>
+        <p:cNvGrpSpPr/>
+        <p:nvPr/>
+      </p:nvGrpSpPr>
+      <p:grpSpPr>
+        <a:xfrm>
+          <a:off x="0" y="0"/>
+          <a:ext cx="0" cy="0"/>
+          <a:chOff x="0" y="0"/>
+          <a:chExt cx="0" cy="0"/>
+        </a:xfrm>
+      </p:grpSpPr>
+      <p:sp>
+        <p:nvSpPr>
+          <p:cNvPr id="2" name="标题 1">
+            <a:extLst>
+              <a:ext uri="{FF2B5EF4-FFF2-40B4-BE49-F238E27FC236}">
+                <a16:creationId xmlns:a16="http://schemas.microsoft.com/office/drawing/2014/main" id="{74934226-C3CE-48A1-AD39-5BF2556CCD07}"/>
+              </a:ext>
+            </a:extLst>
+          </p:cNvPr>
+          <p:cNvSpPr>
+            <a:spLocks noGrp="1"/>
+          </p:cNvSpPr>
+          <p:nvPr>
+            <p:ph type="title"/>
+          </p:nvPr>
+        </p:nvSpPr>
+        <p:spPr/>
+        <p:txBody>
+          <a:bodyPr/>
+          <a:lstStyle/>
+          <a:p>
+            <a:r>
+              <a:rPr lang="zh-CN" altLang="en-US" dirty="0"/>
+              <a:t>列表信息</a:t>
+            </a:r>
+          </a:p>
+        </p:txBody>
+      </p:sp>
+      <p:sp>
+        <p:nvSpPr>
+          <p:cNvPr id="3" name="内容占位符 2">
+            <a:extLst>
+              <a:ext uri="{FF2B5EF4-FFF2-40B4-BE49-F238E27FC236}">
+                <a16:creationId xmlns:a16="http://schemas.microsoft.com/office/drawing/2014/main" id="{B43CEC46-03C8-4F9C-96BB-BAB0DEBF12E6}"/>
+              </a:ext>
+            </a:extLst>
+          </p:cNvPr>
+          <p:cNvSpPr>
+            <a:spLocks noGrp="1"/>
+          </p:cNvSpPr>
+          <p:nvPr>
+            <p:ph idx="1"/>
+          </p:nvPr>
+        </p:nvSpPr>
+        <p:spPr/>
+        <p:txBody>
+          <a:bodyPr>
+            <a:normAutofit fontScale="77500" lnSpcReduction="20000"/>
+          </a:bodyPr>
+          <a:lstStyle/>
+          <a:p>
+            <a:r>
+              <a:rPr lang="zh-CN" altLang="en-US" dirty="0"/>
               <a:t>服务器列表</a:t>
             </a:r>
             <a:endParaRPr lang="en-US" altLang="zh-CN" dirty="0"/>
@@ -4192,7 +6852,7 @@
             </a:r>
             <a:r>
               <a:rPr lang="en-US" altLang="zh-CN" dirty="0"/>
-              <a:t>id</a:t>
+              <a:t>id list</a:t>
             </a:r>
             <a:r>
               <a:rPr lang="zh-CN" altLang="en-US" dirty="0"/>
@@ -4223,7 +6883,7 @@
             </a:r>
             <a:r>
               <a:rPr lang="zh-CN" altLang="en-US" dirty="0"/>
-              <a:t>， 用户</a:t>
+              <a:t>，用户</a:t>
             </a:r>
             <a:r>
               <a:rPr lang="en-US" altLang="zh-CN" dirty="0"/>
@@ -4254,6 +6914,13 @@
             <a:endParaRPr lang="en-US" altLang="zh-CN" dirty="0"/>
           </a:p>
           <a:p>
+            <a:pPr lvl="2"/>
+            <a:r>
+              <a:rPr lang="en-US" altLang="zh-CN" dirty="0"/>
+              <a:t>A-&gt;B-&gt;C, 20,</a:t>
+            </a:r>
+          </a:p>
+          <a:p>
             <a:pPr lvl="1"/>
             <a:r>
               <a:rPr lang="en-US" altLang="zh-CN" dirty="0"/>
@@ -4268,7 +6935,7 @@
           <a:p>
             <a:r>
               <a:rPr lang="en-US" altLang="zh-CN" dirty="0"/>
-              <a:t>VNF</a:t>
+              <a:t>VNFI</a:t>
             </a:r>
             <a:r>
               <a:rPr lang="zh-CN" altLang="en-US" dirty="0"/>
@@ -4280,7 +6947,7 @@
             <a:pPr lvl="1"/>
             <a:r>
               <a:rPr lang="en-US" altLang="zh-CN" dirty="0"/>
-              <a:t>VNF </a:t>
+              <a:t>VNFI </a:t>
             </a:r>
             <a:r>
               <a:rPr lang="en-US" altLang="zh-CN" dirty="0" err="1"/>
@@ -4288,20 +6955,17 @@
             </a:r>
             <a:r>
               <a:rPr lang="zh-CN" altLang="en-US" dirty="0"/>
-              <a:t>， </a:t>
+              <a:t>，</a:t>
             </a:r>
             <a:r>
               <a:rPr lang="en-US" altLang="zh-CN" dirty="0"/>
-              <a:t>VNF</a:t>
-            </a:r>
-            <a:r>
-              <a:rPr lang="zh-CN" altLang="en-US" dirty="0"/>
-              <a:t>种类， </a:t>
-            </a:r>
-            <a:r>
-              <a:rPr lang="en-US" altLang="zh-CN" dirty="0"/>
-              <a:t>VNF config</a:t>
-            </a:r>
+              <a:t>VNFI</a:t>
+            </a:r>
+            <a:r>
+              <a:rPr lang="zh-CN" altLang="en-US" dirty="0"/>
+              <a:t>种类</a:t>
+            </a:r>
+            <a:endParaRPr lang="en-US" altLang="zh-CN" dirty="0"/>
           </a:p>
           <a:p>
             <a:r>
@@ -4322,11 +6986,11 @@
             </a:r>
             <a:r>
               <a:rPr lang="zh-CN" altLang="en-US" dirty="0"/>
-              <a:t>比例 </a:t>
+              <a:t>比例</a:t>
             </a:r>
             <a:r>
               <a:rPr lang="en-US" altLang="zh-CN" dirty="0"/>
-              <a:t>vs </a:t>
+              <a:t>vs</a:t>
             </a:r>
             <a:r>
               <a:rPr lang="zh-CN" altLang="en-US" dirty="0"/>

--- a/doc/SoftwareDesign/Dashboard/DashboardRequirements.pptx
+++ b/doc/SoftwareDesign/Dashboard/DashboardRequirements.pptx
@@ -5,7 +5,7 @@
     <p:sldMasterId id="2147483648" r:id="rId1"/>
   </p:sldMasterIdLst>
   <p:notesMasterIdLst>
-    <p:notesMasterId r:id="rId10"/>
+    <p:notesMasterId r:id="rId11"/>
   </p:notesMasterIdLst>
   <p:sldIdLst>
     <p:sldId id="259" r:id="rId2"/>
@@ -15,7 +15,8 @@
     <p:sldId id="262" r:id="rId6"/>
     <p:sldId id="256" r:id="rId7"/>
     <p:sldId id="257" r:id="rId8"/>
-    <p:sldId id="258" r:id="rId9"/>
+    <p:sldId id="264" r:id="rId9"/>
+    <p:sldId id="258" r:id="rId10"/>
   </p:sldIdLst>
   <p:sldSz cx="12192000" cy="6858000"/>
   <p:notesSz cx="6858000" cy="9144000"/>
@@ -204,7 +205,7 @@
           <a:p>
             <a:fld id="{D19B47FB-F2C1-48D6-AE82-E7B0FCA59C5B}" type="datetimeFigureOut">
               <a:rPr lang="zh-CN" altLang="en-US" smtClean="0"/>
-              <a:t>2021/10/07</a:t>
+              <a:t>2022/08/14</a:t>
             </a:fld>
             <a:endParaRPr lang="zh-CN" altLang="en-US"/>
           </a:p>
@@ -566,6 +567,101 @@
 </p:notes>
 </file>
 
+<file path=ppt/notesSlides/notesSlide2.xml><?xml version="1.0" encoding="utf-8"?>
+<p:notes xmlns:a="http://schemas.openxmlformats.org/drawingml/2006/main" xmlns:r="http://schemas.openxmlformats.org/officeDocument/2006/relationships" xmlns:p="http://schemas.openxmlformats.org/presentationml/2006/main">
+  <p:cSld>
+    <p:spTree>
+      <p:nvGrpSpPr>
+        <p:cNvPr id="1" name=""/>
+        <p:cNvGrpSpPr/>
+        <p:nvPr/>
+      </p:nvGrpSpPr>
+      <p:grpSpPr>
+        <a:xfrm>
+          <a:off x="0" y="0"/>
+          <a:ext cx="0" cy="0"/>
+          <a:chOff x="0" y="0"/>
+          <a:chExt cx="0" cy="0"/>
+        </a:xfrm>
+      </p:grpSpPr>
+      <p:sp>
+        <p:nvSpPr>
+          <p:cNvPr id="2" name="幻灯片图像占位符 1"/>
+          <p:cNvSpPr>
+            <a:spLocks noGrp="1" noRot="1" noChangeAspect="1"/>
+          </p:cNvSpPr>
+          <p:nvPr>
+            <p:ph type="sldImg"/>
+          </p:nvPr>
+        </p:nvSpPr>
+        <p:spPr/>
+      </p:sp>
+      <p:sp>
+        <p:nvSpPr>
+          <p:cNvPr id="3" name="备注占位符 2"/>
+          <p:cNvSpPr>
+            <a:spLocks noGrp="1"/>
+          </p:cNvSpPr>
+          <p:nvPr>
+            <p:ph type="body" idx="1"/>
+          </p:nvPr>
+        </p:nvSpPr>
+        <p:spPr/>
+        <p:txBody>
+          <a:bodyPr/>
+          <a:lstStyle/>
+          <a:p>
+            <a:r>
+              <a:rPr lang="zh-CN" altLang="en-US" dirty="0"/>
+              <a:t>（</a:t>
+            </a:r>
+            <a:r>
+              <a:rPr lang="en-US" altLang="zh-CN" dirty="0"/>
+              <a:t>optional</a:t>
+            </a:r>
+            <a:r>
+              <a:rPr lang="zh-CN" altLang="en-US" dirty="0"/>
+              <a:t>）可以不做</a:t>
+            </a:r>
+          </a:p>
+        </p:txBody>
+      </p:sp>
+      <p:sp>
+        <p:nvSpPr>
+          <p:cNvPr id="4" name="灯片编号占位符 3"/>
+          <p:cNvSpPr>
+            <a:spLocks noGrp="1"/>
+          </p:cNvSpPr>
+          <p:nvPr>
+            <p:ph type="sldNum" sz="quarter" idx="5"/>
+          </p:nvPr>
+        </p:nvSpPr>
+        <p:spPr/>
+        <p:txBody>
+          <a:bodyPr/>
+          <a:lstStyle/>
+          <a:p>
+            <a:fld id="{4C02A8BD-81E3-43A2-8A1E-4FCD71FC1131}" type="slidenum">
+              <a:rPr lang="zh-CN" altLang="en-US" smtClean="0"/>
+              <a:t>8</a:t>
+            </a:fld>
+            <a:endParaRPr lang="zh-CN" altLang="en-US"/>
+          </a:p>
+        </p:txBody>
+      </p:sp>
+    </p:spTree>
+    <p:extLst>
+      <p:ext uri="{BB962C8B-B14F-4D97-AF65-F5344CB8AC3E}">
+        <p14:creationId xmlns:p14="http://schemas.microsoft.com/office/powerpoint/2010/main" val="3015484621"/>
+      </p:ext>
+    </p:extLst>
+  </p:cSld>
+  <p:clrMapOvr>
+    <a:masterClrMapping/>
+  </p:clrMapOvr>
+</p:notes>
+</file>
+
 <file path=ppt/slideLayouts/slideLayout1.xml><?xml version="1.0" encoding="utf-8"?>
 <p:sldLayout xmlns:a="http://schemas.openxmlformats.org/drawingml/2006/main" xmlns:r="http://schemas.openxmlformats.org/officeDocument/2006/relationships" xmlns:p="http://schemas.openxmlformats.org/presentationml/2006/main" type="title" preserve="1">
   <p:cSld name="标题幻灯片">
@@ -713,7 +809,7 @@
           <a:p>
             <a:fld id="{E8E001D3-436C-43C0-813F-FF95D82683C8}" type="datetimeFigureOut">
               <a:rPr lang="zh-CN" altLang="en-US" smtClean="0"/>
-              <a:t>2021/10/07</a:t>
+              <a:t>2022/08/14</a:t>
             </a:fld>
             <a:endParaRPr lang="zh-CN" altLang="en-US"/>
           </a:p>
@@ -911,7 +1007,7 @@
           <a:p>
             <a:fld id="{E8E001D3-436C-43C0-813F-FF95D82683C8}" type="datetimeFigureOut">
               <a:rPr lang="zh-CN" altLang="en-US" smtClean="0"/>
-              <a:t>2021/10/07</a:t>
+              <a:t>2022/08/14</a:t>
             </a:fld>
             <a:endParaRPr lang="zh-CN" altLang="en-US"/>
           </a:p>
@@ -1119,7 +1215,7 @@
           <a:p>
             <a:fld id="{E8E001D3-436C-43C0-813F-FF95D82683C8}" type="datetimeFigureOut">
               <a:rPr lang="zh-CN" altLang="en-US" smtClean="0"/>
-              <a:t>2021/10/07</a:t>
+              <a:t>2022/08/14</a:t>
             </a:fld>
             <a:endParaRPr lang="zh-CN" altLang="en-US"/>
           </a:p>
@@ -1317,7 +1413,7 @@
           <a:p>
             <a:fld id="{E8E001D3-436C-43C0-813F-FF95D82683C8}" type="datetimeFigureOut">
               <a:rPr lang="zh-CN" altLang="en-US" smtClean="0"/>
-              <a:t>2021/10/07</a:t>
+              <a:t>2022/08/14</a:t>
             </a:fld>
             <a:endParaRPr lang="zh-CN" altLang="en-US"/>
           </a:p>
@@ -1592,7 +1688,7 @@
           <a:p>
             <a:fld id="{E8E001D3-436C-43C0-813F-FF95D82683C8}" type="datetimeFigureOut">
               <a:rPr lang="zh-CN" altLang="en-US" smtClean="0"/>
-              <a:t>2021/10/07</a:t>
+              <a:t>2022/08/14</a:t>
             </a:fld>
             <a:endParaRPr lang="zh-CN" altLang="en-US"/>
           </a:p>
@@ -1857,7 +1953,7 @@
           <a:p>
             <a:fld id="{E8E001D3-436C-43C0-813F-FF95D82683C8}" type="datetimeFigureOut">
               <a:rPr lang="zh-CN" altLang="en-US" smtClean="0"/>
-              <a:t>2021/10/07</a:t>
+              <a:t>2022/08/14</a:t>
             </a:fld>
             <a:endParaRPr lang="zh-CN" altLang="en-US"/>
           </a:p>
@@ -2269,7 +2365,7 @@
           <a:p>
             <a:fld id="{E8E001D3-436C-43C0-813F-FF95D82683C8}" type="datetimeFigureOut">
               <a:rPr lang="zh-CN" altLang="en-US" smtClean="0"/>
-              <a:t>2021/10/07</a:t>
+              <a:t>2022/08/14</a:t>
             </a:fld>
             <a:endParaRPr lang="zh-CN" altLang="en-US"/>
           </a:p>
@@ -2410,7 +2506,7 @@
           <a:p>
             <a:fld id="{E8E001D3-436C-43C0-813F-FF95D82683C8}" type="datetimeFigureOut">
               <a:rPr lang="zh-CN" altLang="en-US" smtClean="0"/>
-              <a:t>2021/10/07</a:t>
+              <a:t>2022/08/14</a:t>
             </a:fld>
             <a:endParaRPr lang="zh-CN" altLang="en-US"/>
           </a:p>
@@ -2523,7 +2619,7 @@
           <a:p>
             <a:fld id="{E8E001D3-436C-43C0-813F-FF95D82683C8}" type="datetimeFigureOut">
               <a:rPr lang="zh-CN" altLang="en-US" smtClean="0"/>
-              <a:t>2021/10/07</a:t>
+              <a:t>2022/08/14</a:t>
             </a:fld>
             <a:endParaRPr lang="zh-CN" altLang="en-US"/>
           </a:p>
@@ -2834,7 +2930,7 @@
           <a:p>
             <a:fld id="{E8E001D3-436C-43C0-813F-FF95D82683C8}" type="datetimeFigureOut">
               <a:rPr lang="zh-CN" altLang="en-US" smtClean="0"/>
-              <a:t>2021/10/07</a:t>
+              <a:t>2022/08/14</a:t>
             </a:fld>
             <a:endParaRPr lang="zh-CN" altLang="en-US"/>
           </a:p>
@@ -3122,7 +3218,7 @@
           <a:p>
             <a:fld id="{E8E001D3-436C-43C0-813F-FF95D82683C8}" type="datetimeFigureOut">
               <a:rPr lang="zh-CN" altLang="en-US" smtClean="0"/>
-              <a:t>2021/10/07</a:t>
+              <a:t>2022/08/14</a:t>
             </a:fld>
             <a:endParaRPr lang="zh-CN" altLang="en-US"/>
           </a:p>
@@ -3363,7 +3459,7 @@
           <a:p>
             <a:fld id="{E8E001D3-436C-43C0-813F-FF95D82683C8}" type="datetimeFigureOut">
               <a:rPr lang="zh-CN" altLang="en-US" smtClean="0"/>
-              <a:t>2021/10/07</a:t>
+              <a:t>2022/08/14</a:t>
             </a:fld>
             <a:endParaRPr lang="zh-CN" altLang="en-US"/>
           </a:p>
@@ -6483,7 +6579,7 @@
         </p:spPr>
         <p:txBody>
           <a:bodyPr>
-            <a:normAutofit fontScale="92500" lnSpcReduction="20000"/>
+            <a:normAutofit lnSpcReduction="10000"/>
           </a:bodyPr>
           <a:lstStyle/>
           <a:p>
@@ -6520,7 +6616,7 @@
           <a:p>
             <a:r>
               <a:rPr lang="zh-CN" altLang="en-US" dirty="0"/>
-              <a:t>添加路由模态</a:t>
+              <a:t>可以选择路由模态</a:t>
             </a:r>
             <a:endParaRPr lang="en-US" altLang="zh-CN" dirty="0"/>
           </a:p>
@@ -6546,7 +6642,7 @@
             <a:pPr lvl="2"/>
             <a:r>
               <a:rPr lang="zh-CN" altLang="en-US" dirty="0"/>
-              <a:t>高带宽，低时延，高可用，尽力而为</a:t>
+              <a:t>高带宽，低时延，高可用，多连接，尽力而为</a:t>
             </a:r>
             <a:endParaRPr lang="en-US" altLang="zh-CN" dirty="0"/>
           </a:p>
@@ -6554,12 +6650,17 @@
             <a:pPr lvl="1"/>
             <a:r>
               <a:rPr lang="zh-CN" altLang="en-US" dirty="0"/>
-              <a:t>添加</a:t>
+              <a:t>选择</a:t>
             </a:r>
             <a:r>
               <a:rPr lang="en-US" altLang="zh-CN" dirty="0"/>
               <a:t>SFC</a:t>
             </a:r>
+            <a:r>
+              <a:rPr lang="zh-CN" altLang="en-US" dirty="0"/>
+              <a:t>信息</a:t>
+            </a:r>
+            <a:endParaRPr lang="en-US" altLang="zh-CN" dirty="0"/>
           </a:p>
           <a:p>
             <a:pPr lvl="2"/>
@@ -6677,36 +6778,7 @@
             </a:r>
           </a:p>
           <a:p>
-            <a:pPr lvl="2"/>
-            <a:r>
-              <a:rPr lang="zh-CN" altLang="en-US" dirty="0"/>
-              <a:t>添加</a:t>
-            </a:r>
-            <a:r>
-              <a:rPr lang="en-US" altLang="zh-CN" dirty="0"/>
-              <a:t>SFCI</a:t>
-            </a:r>
-          </a:p>
-          <a:p>
-            <a:pPr lvl="2"/>
-            <a:r>
-              <a:rPr lang="zh-CN" altLang="en-US" dirty="0"/>
-              <a:t>删除</a:t>
-            </a:r>
-            <a:r>
-              <a:rPr lang="en-US" altLang="zh-CN" dirty="0"/>
-              <a:t>SFCI</a:t>
-            </a:r>
-          </a:p>
-          <a:p>
-            <a:r>
-              <a:rPr lang="zh-CN" altLang="en-US" dirty="0"/>
-              <a:t>删除</a:t>
-            </a:r>
-            <a:r>
-              <a:rPr lang="en-US" altLang="zh-CN" dirty="0"/>
-              <a:t>SFC</a:t>
-            </a:r>
+            <a:endParaRPr lang="en-US" altLang="zh-CN" dirty="0"/>
           </a:p>
         </p:txBody>
       </p:sp>
@@ -6724,6 +6796,269 @@
 </file>
 
 <file path=ppt/slides/slide8.xml><?xml version="1.0" encoding="utf-8"?>
+<p:sld xmlns:a="http://schemas.openxmlformats.org/drawingml/2006/main" xmlns:r="http://schemas.openxmlformats.org/officeDocument/2006/relationships" xmlns:p="http://schemas.openxmlformats.org/presentationml/2006/main">
+  <p:cSld>
+    <p:spTree>
+      <p:nvGrpSpPr>
+        <p:cNvPr id="1" name=""/>
+        <p:cNvGrpSpPr/>
+        <p:nvPr/>
+      </p:nvGrpSpPr>
+      <p:grpSpPr>
+        <a:xfrm>
+          <a:off x="0" y="0"/>
+          <a:ext cx="0" cy="0"/>
+          <a:chOff x="0" y="0"/>
+          <a:chExt cx="0" cy="0"/>
+        </a:xfrm>
+      </p:grpSpPr>
+      <p:sp>
+        <p:nvSpPr>
+          <p:cNvPr id="2" name="标题 1">
+            <a:extLst>
+              <a:ext uri="{FF2B5EF4-FFF2-40B4-BE49-F238E27FC236}">
+                <a16:creationId xmlns:a16="http://schemas.microsoft.com/office/drawing/2014/main" id="{0B3E2F81-61D4-4E09-A985-20857CB99E72}"/>
+              </a:ext>
+            </a:extLst>
+          </p:cNvPr>
+          <p:cNvSpPr>
+            <a:spLocks noGrp="1"/>
+          </p:cNvSpPr>
+          <p:nvPr>
+            <p:ph type="title"/>
+          </p:nvPr>
+        </p:nvSpPr>
+        <p:spPr/>
+        <p:txBody>
+          <a:bodyPr/>
+          <a:lstStyle/>
+          <a:p>
+            <a:r>
+              <a:rPr lang="zh-CN" altLang="en-US" dirty="0"/>
+              <a:t>需求</a:t>
+            </a:r>
+          </a:p>
+        </p:txBody>
+      </p:sp>
+      <p:sp>
+        <p:nvSpPr>
+          <p:cNvPr id="3" name="内容占位符 2">
+            <a:extLst>
+              <a:ext uri="{FF2B5EF4-FFF2-40B4-BE49-F238E27FC236}">
+                <a16:creationId xmlns:a16="http://schemas.microsoft.com/office/drawing/2014/main" id="{4ACD6E95-8715-4831-9222-7D6EC13020DB}"/>
+              </a:ext>
+            </a:extLst>
+          </p:cNvPr>
+          <p:cNvSpPr>
+            <a:spLocks noGrp="1"/>
+          </p:cNvSpPr>
+          <p:nvPr>
+            <p:ph idx="1"/>
+          </p:nvPr>
+        </p:nvSpPr>
+        <p:spPr>
+          <a:xfrm>
+            <a:off x="414867" y="1825624"/>
+            <a:ext cx="11540065" cy="4890861"/>
+          </a:xfrm>
+        </p:spPr>
+        <p:txBody>
+          <a:bodyPr>
+            <a:normAutofit/>
+          </a:bodyPr>
+          <a:lstStyle/>
+          <a:p>
+            <a:r>
+              <a:rPr lang="zh-CN" altLang="en-US" dirty="0"/>
+              <a:t>添加</a:t>
+            </a:r>
+            <a:r>
+              <a:rPr lang="en-US" altLang="zh-CN" dirty="0"/>
+              <a:t>SFCI</a:t>
+            </a:r>
+          </a:p>
+          <a:p>
+            <a:pPr lvl="1"/>
+            <a:r>
+              <a:rPr lang="zh-CN" altLang="en-US" dirty="0"/>
+              <a:t>只有</a:t>
+            </a:r>
+            <a:r>
+              <a:rPr lang="en-US" altLang="zh-CN" dirty="0"/>
+              <a:t>SFC</a:t>
+            </a:r>
+            <a:r>
+              <a:rPr lang="zh-CN" altLang="en-US" dirty="0"/>
+              <a:t>在手动扩容模式下，且</a:t>
+            </a:r>
+            <a:r>
+              <a:rPr lang="en-US" altLang="zh-CN" dirty="0"/>
+              <a:t>SFC</a:t>
+            </a:r>
+            <a:r>
+              <a:rPr lang="zh-CN" altLang="en-US" dirty="0"/>
+              <a:t>状态为</a:t>
+            </a:r>
+            <a:r>
+              <a:rPr lang="en-US" altLang="zh-CN" b="0" dirty="0">
+                <a:solidFill>
+                  <a:srgbClr val="4FC1FF"/>
+                </a:solidFill>
+                <a:effectLst/>
+                <a:latin typeface="Consolas" panose="020B0609020204030204" pitchFamily="49" charset="0"/>
+              </a:rPr>
+              <a:t>STATE_ACTIVE/STATE_MANUAL</a:t>
+            </a:r>
+            <a:endParaRPr lang="en-US" altLang="zh-CN" dirty="0"/>
+          </a:p>
+          <a:p>
+            <a:pPr lvl="2"/>
+            <a:r>
+              <a:rPr lang="en-US" altLang="zh-CN" dirty="0"/>
+              <a:t>dashboard</a:t>
+            </a:r>
+            <a:r>
+              <a:rPr lang="zh-CN" altLang="en-US" dirty="0"/>
+              <a:t>可以发送</a:t>
+            </a:r>
+            <a:r>
+              <a:rPr lang="en-US" altLang="zh-CN" dirty="0"/>
+              <a:t>ADD_SFCI_REQUEST</a:t>
+            </a:r>
+          </a:p>
+          <a:p>
+            <a:r>
+              <a:rPr lang="zh-CN" altLang="en-US" dirty="0"/>
+              <a:t>删除</a:t>
+            </a:r>
+            <a:r>
+              <a:rPr lang="en-US" altLang="zh-CN" dirty="0"/>
+              <a:t>SFCI</a:t>
+            </a:r>
+          </a:p>
+          <a:p>
+            <a:pPr lvl="1"/>
+            <a:r>
+              <a:rPr lang="zh-CN" altLang="en-US" dirty="0"/>
+              <a:t>只有</a:t>
+            </a:r>
+            <a:r>
+              <a:rPr lang="en-US" altLang="zh-CN" dirty="0"/>
+              <a:t>SFC</a:t>
+            </a:r>
+            <a:r>
+              <a:rPr lang="zh-CN" altLang="en-US" dirty="0"/>
+              <a:t>在手动扩容模式下，且</a:t>
+            </a:r>
+            <a:r>
+              <a:rPr lang="en-US" altLang="zh-CN" dirty="0"/>
+              <a:t>SFC</a:t>
+            </a:r>
+            <a:r>
+              <a:rPr lang="zh-CN" altLang="en-US" dirty="0"/>
+              <a:t>状态为</a:t>
+            </a:r>
+            <a:r>
+              <a:rPr lang="en-US" altLang="zh-CN" b="0" dirty="0">
+                <a:solidFill>
+                  <a:srgbClr val="4FC1FF"/>
+                </a:solidFill>
+                <a:effectLst/>
+                <a:latin typeface="Consolas" panose="020B0609020204030204" pitchFamily="49" charset="0"/>
+              </a:rPr>
+              <a:t>STATE_ACTIVE/STATE_MANUAL</a:t>
+            </a:r>
+            <a:endParaRPr lang="en-US" altLang="zh-CN" dirty="0"/>
+          </a:p>
+          <a:p>
+            <a:pPr lvl="2"/>
+            <a:r>
+              <a:rPr lang="en-US" altLang="zh-CN" dirty="0"/>
+              <a:t>dashboard</a:t>
+            </a:r>
+            <a:r>
+              <a:rPr lang="zh-CN" altLang="en-US" dirty="0"/>
+              <a:t>可以发送</a:t>
+            </a:r>
+            <a:r>
+              <a:rPr lang="en-US" altLang="zh-CN" dirty="0"/>
+              <a:t>DEL_SFCI_REQUEST</a:t>
+            </a:r>
+          </a:p>
+          <a:p>
+            <a:r>
+              <a:rPr lang="zh-CN" altLang="en-US" dirty="0"/>
+              <a:t>删除</a:t>
+            </a:r>
+            <a:r>
+              <a:rPr lang="en-US" altLang="zh-CN" dirty="0"/>
+              <a:t>SFC</a:t>
+            </a:r>
+          </a:p>
+          <a:p>
+            <a:pPr lvl="1"/>
+            <a:r>
+              <a:rPr lang="zh-CN" altLang="en-US" dirty="0"/>
+              <a:t>程序自动将</a:t>
+            </a:r>
+            <a:r>
+              <a:rPr lang="en-US" altLang="zh-CN" dirty="0"/>
+              <a:t>SFC</a:t>
+            </a:r>
+            <a:r>
+              <a:rPr lang="zh-CN" altLang="en-US" dirty="0"/>
+              <a:t>的状态改成手动扩缩容</a:t>
+            </a:r>
+            <a:endParaRPr lang="en-US" altLang="zh-CN" dirty="0"/>
+          </a:p>
+          <a:p>
+            <a:pPr lvl="2"/>
+            <a:r>
+              <a:rPr lang="zh-CN" altLang="en-US" dirty="0"/>
+              <a:t>前提先判断</a:t>
+            </a:r>
+            <a:r>
+              <a:rPr lang="en-US" altLang="zh-CN" dirty="0"/>
+              <a:t>SFC</a:t>
+            </a:r>
+            <a:r>
+              <a:rPr lang="zh-CN" altLang="en-US" dirty="0"/>
+              <a:t>的状态是否为</a:t>
+            </a:r>
+            <a:r>
+              <a:rPr lang="en-US" altLang="zh-CN" b="0" dirty="0">
+                <a:solidFill>
+                  <a:srgbClr val="4FC1FF"/>
+                </a:solidFill>
+                <a:effectLst/>
+                <a:latin typeface="Consolas" panose="020B0609020204030204" pitchFamily="49" charset="0"/>
+              </a:rPr>
+              <a:t>STATE_ACTIVE</a:t>
+            </a:r>
+            <a:endParaRPr lang="en-US" altLang="zh-CN" b="0" dirty="0">
+              <a:solidFill>
+                <a:srgbClr val="D4D4D4"/>
+              </a:solidFill>
+              <a:effectLst/>
+              <a:latin typeface="Consolas" panose="020B0609020204030204" pitchFamily="49" charset="0"/>
+            </a:endParaRPr>
+          </a:p>
+        </p:txBody>
+      </p:sp>
+    </p:spTree>
+    <p:extLst>
+      <p:ext uri="{BB962C8B-B14F-4D97-AF65-F5344CB8AC3E}">
+        <p14:creationId xmlns:p14="http://schemas.microsoft.com/office/powerpoint/2010/main" val="173875851"/>
+      </p:ext>
+    </p:extLst>
+  </p:cSld>
+  <p:clrMapOvr>
+    <a:masterClrMapping/>
+  </p:clrMapOvr>
+</p:sld>
+</file>
+
+<file path=ppt/slides/slide9.xml><?xml version="1.0" encoding="utf-8"?>
 <p:sld xmlns:a="http://schemas.openxmlformats.org/drawingml/2006/main" xmlns:r="http://schemas.openxmlformats.org/officeDocument/2006/relationships" xmlns:p="http://schemas.openxmlformats.org/presentationml/2006/main">
   <p:cSld>
     <p:spTree>
